--- a/TP1/2aEntrega/apresentacao2.pptx
+++ b/TP1/2aEntrega/apresentacao2.pptx
@@ -201,7 +201,7 @@
           <a:p>
             <a:fld id="{4B3F774C-70F7-4ED4-813C-739E51CF8487}" type="datetimeFigureOut">
               <a:rPr lang="en-US" smtClean="0"/>
-              <a:t>2/29/2020</a:t>
+              <a:t>3/2/2020</a:t>
             </a:fld>
             <a:endParaRPr lang="en-US" dirty="0"/>
           </a:p>
@@ -970,7 +970,7 @@
           <a:p>
             <a:fld id="{F9F2E34D-57B0-41D5-A7AF-DF10D1068115}" type="datetime1">
               <a:rPr lang="en-US" smtClean="0"/>
-              <a:t>2/29/2020</a:t>
+              <a:t>3/2/2020</a:t>
             </a:fld>
             <a:endParaRPr lang="en-US" dirty="0"/>
           </a:p>
@@ -1262,7 +1262,7 @@
           <a:p>
             <a:fld id="{DF6E8327-77F4-4A2B-9238-101C8E3404E4}" type="datetime1">
               <a:rPr lang="en-US" smtClean="0"/>
-              <a:t>2/29/2020</a:t>
+              <a:t>3/2/2020</a:t>
             </a:fld>
             <a:endParaRPr lang="en-US" dirty="0"/>
           </a:p>
@@ -1506,7 +1506,7 @@
           <a:p>
             <a:fld id="{5287327A-3B7B-4F18-AD00-4892CF91FF9D}" type="datetime1">
               <a:rPr lang="en-US" smtClean="0"/>
-              <a:t>2/29/2020</a:t>
+              <a:t>3/2/2020</a:t>
             </a:fld>
             <a:endParaRPr lang="en-US" dirty="0"/>
           </a:p>
@@ -2042,7 +2042,7 @@
           <a:p>
             <a:fld id="{84398241-E647-4007-AB01-BB30869910EB}" type="datetime1">
               <a:rPr lang="en-US" smtClean="0"/>
-              <a:t>2/29/2020</a:t>
+              <a:t>3/2/2020</a:t>
             </a:fld>
             <a:endParaRPr lang="en-US" dirty="0"/>
           </a:p>
@@ -2286,7 +2286,7 @@
           <a:p>
             <a:fld id="{A09F5554-C941-4C3B-A197-75ED448862A0}" type="datetime1">
               <a:rPr lang="en-US" smtClean="0"/>
-              <a:t>2/29/2020</a:t>
+              <a:t>3/2/2020</a:t>
             </a:fld>
             <a:endParaRPr lang="en-US" dirty="0"/>
           </a:p>
@@ -2814,7 +2814,7 @@
           <a:p>
             <a:fld id="{DC6B44A0-C3F8-4023-9352-7CF7C034B2C8}" type="datetime1">
               <a:rPr lang="en-US" smtClean="0"/>
-              <a:t>2/29/2020</a:t>
+              <a:t>3/2/2020</a:t>
             </a:fld>
             <a:endParaRPr lang="en-US" dirty="0"/>
           </a:p>
@@ -3107,7 +3107,7 @@
           <a:p>
             <a:fld id="{79C3DC5B-471F-47EA-B884-FE923235A560}" type="datetime1">
               <a:rPr lang="en-US" smtClean="0"/>
-              <a:t>2/29/2020</a:t>
+              <a:t>3/2/2020</a:t>
             </a:fld>
             <a:endParaRPr lang="en-US" dirty="0"/>
           </a:p>
@@ -3277,7 +3277,7 @@
           <a:p>
             <a:fld id="{03F8C408-3247-4796-93FF-B91D6887AEC0}" type="datetime1">
               <a:rPr lang="en-US" smtClean="0"/>
-              <a:t>2/29/2020</a:t>
+              <a:t>3/2/2020</a:t>
             </a:fld>
             <a:endParaRPr lang="en-US" dirty="0"/>
           </a:p>
@@ -3453,7 +3453,7 @@
           <a:p>
             <a:fld id="{BBA1D282-CC74-49F4-B876-75084EFB56F1}" type="datetime1">
               <a:rPr lang="en-US" smtClean="0"/>
-              <a:t>2/29/2020</a:t>
+              <a:t>3/2/2020</a:t>
             </a:fld>
             <a:endParaRPr lang="en-US" dirty="0"/>
           </a:p>
@@ -3619,7 +3619,7 @@
           <a:p>
             <a:fld id="{BF56EAF9-2583-4989-8D87-13F548ED6E0C}" type="datetime1">
               <a:rPr lang="en-US" smtClean="0"/>
-              <a:t>2/29/2020</a:t>
+              <a:t>3/2/2020</a:t>
             </a:fld>
             <a:endParaRPr lang="en-US" dirty="0"/>
           </a:p>
@@ -3866,7 +3866,7 @@
           <a:p>
             <a:fld id="{B70E3CFB-BB1B-4B2A-ADF6-B1A4609854C4}" type="datetime1">
               <a:rPr lang="en-US" smtClean="0"/>
-              <a:t>2/29/2020</a:t>
+              <a:t>3/2/2020</a:t>
             </a:fld>
             <a:endParaRPr lang="en-US" dirty="0"/>
           </a:p>
@@ -4159,7 +4159,7 @@
           <a:p>
             <a:fld id="{2B3AEAA8-1A97-412E-935C-2E918F139579}" type="datetime1">
               <a:rPr lang="en-US" smtClean="0"/>
-              <a:t>2/29/2020</a:t>
+              <a:t>3/2/2020</a:t>
             </a:fld>
             <a:endParaRPr lang="en-US" dirty="0"/>
           </a:p>
@@ -4597,7 +4597,7 @@
           <a:p>
             <a:fld id="{638B0DF1-CA1F-4E36-8C65-C52A9896A8FB}" type="datetime1">
               <a:rPr lang="en-US" smtClean="0"/>
-              <a:t>2/29/2020</a:t>
+              <a:t>3/2/2020</a:t>
             </a:fld>
             <a:endParaRPr lang="en-US" dirty="0"/>
           </a:p>
@@ -4711,7 +4711,7 @@
           <a:p>
             <a:fld id="{DB6173FD-197A-4AD6-8D60-38B6A76F0734}" type="datetime1">
               <a:rPr lang="en-US" smtClean="0"/>
-              <a:t>2/29/2020</a:t>
+              <a:t>3/2/2020</a:t>
             </a:fld>
             <a:endParaRPr lang="en-US" dirty="0"/>
           </a:p>
@@ -4802,7 +4802,7 @@
           <a:p>
             <a:fld id="{6BDC3949-07FA-4C7A-A990-D6D1043EED71}" type="datetime1">
               <a:rPr lang="en-US" smtClean="0"/>
-              <a:t>2/29/2020</a:t>
+              <a:t>3/2/2020</a:t>
             </a:fld>
             <a:endParaRPr lang="en-US" dirty="0"/>
           </a:p>
@@ -5081,7 +5081,7 @@
           <a:p>
             <a:fld id="{2E9E2DE8-6D13-4218-A974-D45AA7B6E4FF}" type="datetime1">
               <a:rPr lang="en-US" smtClean="0"/>
-              <a:t>2/29/2020</a:t>
+              <a:t>3/2/2020</a:t>
             </a:fld>
             <a:endParaRPr lang="en-US" dirty="0"/>
           </a:p>
@@ -5368,7 +5368,7 @@
           <a:p>
             <a:fld id="{9CDAB7D7-4BDA-4ABC-B31D-66201C69A314}" type="datetime1">
               <a:rPr lang="en-US" smtClean="0"/>
-              <a:t>2/29/2020</a:t>
+              <a:t>3/2/2020</a:t>
             </a:fld>
             <a:endParaRPr lang="en-US" dirty="0"/>
           </a:p>
@@ -5894,7 +5894,7 @@
           <a:p>
             <a:fld id="{4E3F0A0B-291C-4112-A023-023C51AB2E85}" type="datetime1">
               <a:rPr lang="en-US" smtClean="0"/>
-              <a:t>2/29/2020</a:t>
+              <a:t>3/2/2020</a:t>
             </a:fld>
             <a:endParaRPr lang="en-US" dirty="0"/>
           </a:p>
@@ -7628,8 +7628,8 @@
         </p:blipFill>
         <p:spPr>
           <a:xfrm>
-            <a:off x="429181" y="1588651"/>
-            <a:ext cx="5831367" cy="4467529"/>
+            <a:off x="435554" y="1588651"/>
+            <a:ext cx="5818621" cy="4467529"/>
           </a:xfrm>
           <a:prstGeom prst="rect">
             <a:avLst/>
@@ -7670,7 +7670,7 @@
             </a:pPr>
             <a:r>
               <a:rPr lang="pt-PT" dirty="0"/>
-              <a:t>1 TeamLeader (TeamRobot), 2 Soldiers (Droids) e 2 GFTargettingBots. </a:t>
+              <a:t>1 TeamLeader (TeamRobot), 2 Soldiers (Droids) e 2 Snipers(TeamRobot). </a:t>
             </a:r>
           </a:p>
         </p:txBody>
@@ -10536,11 +10536,12 @@
 </file>
 
 <file path=customXml/item1.xml><?xml version="1.0" encoding="utf-8"?>
-<p:properties xmlns:p="http://schemas.microsoft.com/office/2006/metadata/properties" xmlns:xsi="http://www.w3.org/2001/XMLSchema-instance" xmlns:pc="http://schemas.microsoft.com/office/infopath/2007/PartnerControls">
-  <documentManagement>
-    <MediaServiceKeyPoints xmlns="71af3243-3dd4-4a8d-8c0d-dd76da1f02a5" xsi:nil="true"/>
-  </documentManagement>
-</p:properties>
+<?mso-contentType ?>
+<FormTemplates xmlns="http://schemas.microsoft.com/sharepoint/v3/contenttype/forms">
+  <Display>DocumentLibraryForm</Display>
+  <Edit>DocumentLibraryForm</Edit>
+  <New>DocumentLibraryForm</New>
+</FormTemplates>
 </file>
 
 <file path=customXml/item2.xml><?xml version="1.0" encoding="utf-8"?>
@@ -10755,20 +10756,17 @@
 </file>
 
 <file path=customXml/item3.xml><?xml version="1.0" encoding="utf-8"?>
-<?mso-contentType ?>
-<FormTemplates xmlns="http://schemas.microsoft.com/sharepoint/v3/contenttype/forms">
-  <Display>DocumentLibraryForm</Display>
-  <Edit>DocumentLibraryForm</Edit>
-  <New>DocumentLibraryForm</New>
-</FormTemplates>
+<p:properties xmlns:p="http://schemas.microsoft.com/office/2006/metadata/properties" xmlns:xsi="http://www.w3.org/2001/XMLSchema-instance" xmlns:pc="http://schemas.microsoft.com/office/infopath/2007/PartnerControls">
+  <documentManagement>
+    <MediaServiceKeyPoints xmlns="71af3243-3dd4-4a8d-8c0d-dd76da1f02a5" xsi:nil="true"/>
+  </documentManagement>
+</p:properties>
 </file>
 
 <file path=customXml/itemProps1.xml><?xml version="1.0" encoding="utf-8"?>
-<ds:datastoreItem xmlns:ds="http://schemas.openxmlformats.org/officeDocument/2006/customXml" ds:itemID="{D7023227-530E-4024-91EF-312A851A758C}">
+<ds:datastoreItem xmlns:ds="http://schemas.openxmlformats.org/officeDocument/2006/customXml" ds:itemID="{33315AA3-EAE3-44ED-8368-BAC2FFFB4817}">
   <ds:schemaRefs>
-    <ds:schemaRef ds:uri="http://schemas.microsoft.com/office/2006/metadata/properties"/>
-    <ds:schemaRef ds:uri="http://schemas.microsoft.com/office/infopath/2007/PartnerControls"/>
-    <ds:schemaRef ds:uri="71af3243-3dd4-4a8d-8c0d-dd76da1f02a5"/>
+    <ds:schemaRef ds:uri="http://schemas.microsoft.com/sharepoint/v3/contenttype/forms"/>
   </ds:schemaRefs>
 </ds:datastoreItem>
 </file>
@@ -10793,9 +10791,11 @@
 </file>
 
 <file path=customXml/itemProps3.xml><?xml version="1.0" encoding="utf-8"?>
-<ds:datastoreItem xmlns:ds="http://schemas.openxmlformats.org/officeDocument/2006/customXml" ds:itemID="{33315AA3-EAE3-44ED-8368-BAC2FFFB4817}">
+<ds:datastoreItem xmlns:ds="http://schemas.openxmlformats.org/officeDocument/2006/customXml" ds:itemID="{D7023227-530E-4024-91EF-312A851A758C}">
   <ds:schemaRefs>
-    <ds:schemaRef ds:uri="http://schemas.microsoft.com/sharepoint/v3/contenttype/forms"/>
+    <ds:schemaRef ds:uri="http://schemas.microsoft.com/office/2006/metadata/properties"/>
+    <ds:schemaRef ds:uri="http://schemas.microsoft.com/office/infopath/2007/PartnerControls"/>
+    <ds:schemaRef ds:uri="71af3243-3dd4-4a8d-8c0d-dd76da1f02a5"/>
   </ds:schemaRefs>
 </ds:datastoreItem>
 </file>
--- a/TP1/2aEntrega/apresentacao2.pptx
+++ b/TP1/2aEntrega/apresentacao2.pptx
@@ -5,14 +5,16 @@
     <p:sldMasterId id="2147483648" r:id="rId4"/>
   </p:sldMasterIdLst>
   <p:notesMasterIdLst>
-    <p:notesMasterId r:id="rId10"/>
+    <p:notesMasterId r:id="rId12"/>
   </p:notesMasterIdLst>
   <p:sldIdLst>
     <p:sldId id="260" r:id="rId5"/>
     <p:sldId id="257" r:id="rId6"/>
     <p:sldId id="262" r:id="rId7"/>
-    <p:sldId id="263" r:id="rId8"/>
-    <p:sldId id="261" r:id="rId9"/>
+    <p:sldId id="265" r:id="rId8"/>
+    <p:sldId id="263" r:id="rId9"/>
+    <p:sldId id="264" r:id="rId10"/>
+    <p:sldId id="261" r:id="rId11"/>
   </p:sldIdLst>
   <p:sldSz cx="12192000" cy="6858000"/>
   <p:notesSz cx="6858000" cy="9144000"/>
@@ -201,7 +203,7 @@
           <a:p>
             <a:fld id="{4B3F774C-70F7-4ED4-813C-739E51CF8487}" type="datetimeFigureOut">
               <a:rPr lang="en-US" smtClean="0"/>
-              <a:t>3/2/2020</a:t>
+              <a:t>3/2/20</a:t>
             </a:fld>
             <a:endParaRPr lang="en-US" dirty="0"/>
           </a:p>
@@ -359,7 +361,7 @@
           <a:p>
             <a:fld id="{B524A772-5D94-4F12-8B86-44D4FB26368F}" type="slidenum">
               <a:rPr lang="en-US" smtClean="0"/>
-              <a:t>‹#›</a:t>
+              <a:t>‹nº›</a:t>
             </a:fld>
             <a:endParaRPr lang="en-US" dirty="0"/>
           </a:p>
@@ -970,7 +972,7 @@
           <a:p>
             <a:fld id="{F9F2E34D-57B0-41D5-A7AF-DF10D1068115}" type="datetime1">
               <a:rPr lang="en-US" smtClean="0"/>
-              <a:t>3/2/2020</a:t>
+              <a:t>3/2/20</a:t>
             </a:fld>
             <a:endParaRPr lang="en-US" dirty="0"/>
           </a:p>
@@ -1018,7 +1020,7 @@
             <a:fld id="{D57F1E4F-1CFF-5643-939E-217C01CDF565}" type="slidenum">
               <a:rPr lang="en-US" dirty="0"/>
               <a:pPr/>
-              <a:t>‹#›</a:t>
+              <a:t>‹nº›</a:t>
             </a:fld>
             <a:endParaRPr lang="en-US" dirty="0"/>
           </a:p>
@@ -1262,7 +1264,7 @@
           <a:p>
             <a:fld id="{DF6E8327-77F4-4A2B-9238-101C8E3404E4}" type="datetime1">
               <a:rPr lang="en-US" smtClean="0"/>
-              <a:t>3/2/2020</a:t>
+              <a:t>3/2/20</a:t>
             </a:fld>
             <a:endParaRPr lang="en-US" dirty="0"/>
           </a:p>
@@ -1305,7 +1307,7 @@
             <a:fld id="{D57F1E4F-1CFF-5643-939E-217C01CDF565}" type="slidenum">
               <a:rPr lang="en-US" dirty="0"/>
               <a:pPr/>
-              <a:t>‹#›</a:t>
+              <a:t>‹nº›</a:t>
             </a:fld>
             <a:endParaRPr lang="en-US" dirty="0"/>
           </a:p>
@@ -1506,7 +1508,7 @@
           <a:p>
             <a:fld id="{5287327A-3B7B-4F18-AD00-4892CF91FF9D}" type="datetime1">
               <a:rPr lang="en-US" smtClean="0"/>
-              <a:t>3/2/2020</a:t>
+              <a:t>3/2/20</a:t>
             </a:fld>
             <a:endParaRPr lang="en-US" dirty="0"/>
           </a:p>
@@ -1549,7 +1551,7 @@
             <a:fld id="{D57F1E4F-1CFF-5643-939E-217C01CDF565}" type="slidenum">
               <a:rPr lang="en-US" dirty="0"/>
               <a:pPr/>
-              <a:t>‹#›</a:t>
+              <a:t>‹nº›</a:t>
             </a:fld>
             <a:endParaRPr lang="en-US" dirty="0"/>
           </a:p>
@@ -2042,7 +2044,7 @@
           <a:p>
             <a:fld id="{84398241-E647-4007-AB01-BB30869910EB}" type="datetime1">
               <a:rPr lang="en-US" smtClean="0"/>
-              <a:t>3/2/2020</a:t>
+              <a:t>3/2/20</a:t>
             </a:fld>
             <a:endParaRPr lang="en-US" dirty="0"/>
           </a:p>
@@ -2085,7 +2087,7 @@
             <a:fld id="{D57F1E4F-1CFF-5643-939E-217C01CDF565}" type="slidenum">
               <a:rPr lang="en-US" dirty="0"/>
               <a:pPr/>
-              <a:t>‹#›</a:t>
+              <a:t>‹nº›</a:t>
             </a:fld>
             <a:endParaRPr lang="en-US" dirty="0"/>
           </a:p>
@@ -2286,7 +2288,7 @@
           <a:p>
             <a:fld id="{A09F5554-C941-4C3B-A197-75ED448862A0}" type="datetime1">
               <a:rPr lang="en-US" smtClean="0"/>
-              <a:t>3/2/2020</a:t>
+              <a:t>3/2/20</a:t>
             </a:fld>
             <a:endParaRPr lang="en-US" dirty="0"/>
           </a:p>
@@ -2329,7 +2331,7 @@
             <a:fld id="{D57F1E4F-1CFF-5643-939E-217C01CDF565}" type="slidenum">
               <a:rPr lang="en-US" dirty="0"/>
               <a:pPr/>
-              <a:t>‹#›</a:t>
+              <a:t>‹nº›</a:t>
             </a:fld>
             <a:endParaRPr lang="en-US" dirty="0"/>
           </a:p>
@@ -2814,7 +2816,7 @@
           <a:p>
             <a:fld id="{DC6B44A0-C3F8-4023-9352-7CF7C034B2C8}" type="datetime1">
               <a:rPr lang="en-US" smtClean="0"/>
-              <a:t>3/2/2020</a:t>
+              <a:t>3/2/20</a:t>
             </a:fld>
             <a:endParaRPr lang="en-US" dirty="0"/>
           </a:p>
@@ -2857,7 +2859,7 @@
             <a:fld id="{D57F1E4F-1CFF-5643-939E-217C01CDF565}" type="slidenum">
               <a:rPr lang="en-US" dirty="0"/>
               <a:pPr/>
-              <a:t>‹#›</a:t>
+              <a:t>‹nº›</a:t>
             </a:fld>
             <a:endParaRPr lang="en-US" dirty="0"/>
           </a:p>
@@ -3107,7 +3109,7 @@
           <a:p>
             <a:fld id="{79C3DC5B-471F-47EA-B884-FE923235A560}" type="datetime1">
               <a:rPr lang="en-US" smtClean="0"/>
-              <a:t>3/2/2020</a:t>
+              <a:t>3/2/20</a:t>
             </a:fld>
             <a:endParaRPr lang="en-US" dirty="0"/>
           </a:p>
@@ -3150,7 +3152,7 @@
             <a:fld id="{D57F1E4F-1CFF-5643-939E-217C01CDF565}" type="slidenum">
               <a:rPr lang="en-US" dirty="0"/>
               <a:pPr/>
-              <a:t>‹#›</a:t>
+              <a:t>‹nº›</a:t>
             </a:fld>
             <a:endParaRPr lang="en-US" dirty="0"/>
           </a:p>
@@ -3277,7 +3279,7 @@
           <a:p>
             <a:fld id="{03F8C408-3247-4796-93FF-B91D6887AEC0}" type="datetime1">
               <a:rPr lang="en-US" smtClean="0"/>
-              <a:t>3/2/2020</a:t>
+              <a:t>3/2/20</a:t>
             </a:fld>
             <a:endParaRPr lang="en-US" dirty="0"/>
           </a:p>
@@ -3320,7 +3322,7 @@
             <a:fld id="{D57F1E4F-1CFF-5643-939E-217C01CDF565}" type="slidenum">
               <a:rPr lang="en-US" dirty="0"/>
               <a:pPr/>
-              <a:t>‹#›</a:t>
+              <a:t>‹nº›</a:t>
             </a:fld>
             <a:endParaRPr lang="en-US" dirty="0"/>
           </a:p>
@@ -3453,7 +3455,7 @@
           <a:p>
             <a:fld id="{BBA1D282-CC74-49F4-B876-75084EFB56F1}" type="datetime1">
               <a:rPr lang="en-US" smtClean="0"/>
-              <a:t>3/2/2020</a:t>
+              <a:t>3/2/20</a:t>
             </a:fld>
             <a:endParaRPr lang="en-US" dirty="0"/>
           </a:p>
@@ -3496,7 +3498,7 @@
             <a:fld id="{D57F1E4F-1CFF-5643-939E-217C01CDF565}" type="slidenum">
               <a:rPr lang="en-US" dirty="0"/>
               <a:pPr/>
-              <a:t>‹#›</a:t>
+              <a:t>‹nº›</a:t>
             </a:fld>
             <a:endParaRPr lang="en-US" dirty="0"/>
           </a:p>
@@ -3619,7 +3621,7 @@
           <a:p>
             <a:fld id="{BF56EAF9-2583-4989-8D87-13F548ED6E0C}" type="datetime1">
               <a:rPr lang="en-US" smtClean="0"/>
-              <a:t>3/2/2020</a:t>
+              <a:t>3/2/20</a:t>
             </a:fld>
             <a:endParaRPr lang="en-US" dirty="0"/>
           </a:p>
@@ -3667,7 +3669,7 @@
             <a:fld id="{D57F1E4F-1CFF-5643-939E-217C01CDF565}" type="slidenum">
               <a:rPr lang="en-US" dirty="0"/>
               <a:pPr/>
-              <a:t>‹#›</a:t>
+              <a:t>‹nº›</a:t>
             </a:fld>
             <a:endParaRPr lang="en-US" dirty="0"/>
           </a:p>
@@ -3866,7 +3868,7 @@
           <a:p>
             <a:fld id="{B70E3CFB-BB1B-4B2A-ADF6-B1A4609854C4}" type="datetime1">
               <a:rPr lang="en-US" smtClean="0"/>
-              <a:t>3/2/2020</a:t>
+              <a:t>3/2/20</a:t>
             </a:fld>
             <a:endParaRPr lang="en-US" dirty="0"/>
           </a:p>
@@ -3909,7 +3911,7 @@
             <a:fld id="{D57F1E4F-1CFF-5643-939E-217C01CDF565}" type="slidenum">
               <a:rPr lang="en-US" dirty="0"/>
               <a:pPr/>
-              <a:t>‹#›</a:t>
+              <a:t>‹nº›</a:t>
             </a:fld>
             <a:endParaRPr lang="en-US" dirty="0"/>
           </a:p>
@@ -4159,7 +4161,7 @@
           <a:p>
             <a:fld id="{2B3AEAA8-1A97-412E-935C-2E918F139579}" type="datetime1">
               <a:rPr lang="en-US" smtClean="0"/>
-              <a:t>3/2/2020</a:t>
+              <a:t>3/2/20</a:t>
             </a:fld>
             <a:endParaRPr lang="en-US" dirty="0"/>
           </a:p>
@@ -4202,7 +4204,7 @@
             <a:fld id="{D57F1E4F-1CFF-5643-939E-217C01CDF565}" type="slidenum">
               <a:rPr lang="en-US" dirty="0"/>
               <a:pPr/>
-              <a:t>‹#›</a:t>
+              <a:t>‹nº›</a:t>
             </a:fld>
             <a:endParaRPr lang="en-US" dirty="0"/>
           </a:p>
@@ -4597,7 +4599,7 @@
           <a:p>
             <a:fld id="{638B0DF1-CA1F-4E36-8C65-C52A9896A8FB}" type="datetime1">
               <a:rPr lang="en-US" smtClean="0"/>
-              <a:t>3/2/2020</a:t>
+              <a:t>3/2/20</a:t>
             </a:fld>
             <a:endParaRPr lang="en-US" dirty="0"/>
           </a:p>
@@ -4640,7 +4642,7 @@
             <a:fld id="{D57F1E4F-1CFF-5643-939E-217C01CDF565}" type="slidenum">
               <a:rPr lang="en-US" dirty="0"/>
               <a:pPr/>
-              <a:t>‹#›</a:t>
+              <a:t>‹nº›</a:t>
             </a:fld>
             <a:endParaRPr lang="en-US" dirty="0"/>
           </a:p>
@@ -4711,7 +4713,7 @@
           <a:p>
             <a:fld id="{DB6173FD-197A-4AD6-8D60-38B6A76F0734}" type="datetime1">
               <a:rPr lang="en-US" smtClean="0"/>
-              <a:t>3/2/2020</a:t>
+              <a:t>3/2/20</a:t>
             </a:fld>
             <a:endParaRPr lang="en-US" dirty="0"/>
           </a:p>
@@ -4754,7 +4756,7 @@
             <a:fld id="{D57F1E4F-1CFF-5643-939E-217C01CDF565}" type="slidenum">
               <a:rPr lang="en-US" dirty="0"/>
               <a:pPr/>
-              <a:t>‹#›</a:t>
+              <a:t>‹nº›</a:t>
             </a:fld>
             <a:endParaRPr lang="en-US" dirty="0"/>
           </a:p>
@@ -4802,7 +4804,7 @@
           <a:p>
             <a:fld id="{6BDC3949-07FA-4C7A-A990-D6D1043EED71}" type="datetime1">
               <a:rPr lang="en-US" smtClean="0"/>
-              <a:t>3/2/2020</a:t>
+              <a:t>3/2/20</a:t>
             </a:fld>
             <a:endParaRPr lang="en-US" dirty="0"/>
           </a:p>
@@ -4845,7 +4847,7 @@
             <a:fld id="{D57F1E4F-1CFF-5643-939E-217C01CDF565}" type="slidenum">
               <a:rPr lang="en-US" dirty="0"/>
               <a:pPr/>
-              <a:t>‹#›</a:t>
+              <a:t>‹nº›</a:t>
             </a:fld>
             <a:endParaRPr lang="en-US" dirty="0"/>
           </a:p>
@@ -5081,7 +5083,7 @@
           <a:p>
             <a:fld id="{2E9E2DE8-6D13-4218-A974-D45AA7B6E4FF}" type="datetime1">
               <a:rPr lang="en-US" smtClean="0"/>
-              <a:t>3/2/2020</a:t>
+              <a:t>3/2/20</a:t>
             </a:fld>
             <a:endParaRPr lang="en-US" dirty="0"/>
           </a:p>
@@ -5124,7 +5126,7 @@
             <a:fld id="{D57F1E4F-1CFF-5643-939E-217C01CDF565}" type="slidenum">
               <a:rPr lang="en-US" dirty="0"/>
               <a:pPr/>
-              <a:t>‹#›</a:t>
+              <a:t>‹nº›</a:t>
             </a:fld>
             <a:endParaRPr lang="en-US" dirty="0"/>
           </a:p>
@@ -5368,7 +5370,7 @@
           <a:p>
             <a:fld id="{9CDAB7D7-4BDA-4ABC-B31D-66201C69A314}" type="datetime1">
               <a:rPr lang="en-US" smtClean="0"/>
-              <a:t>3/2/2020</a:t>
+              <a:t>3/2/20</a:t>
             </a:fld>
             <a:endParaRPr lang="en-US" dirty="0"/>
           </a:p>
@@ -5411,7 +5413,7 @@
             <a:fld id="{D57F1E4F-1CFF-5643-939E-217C01CDF565}" type="slidenum">
               <a:rPr lang="en-US" dirty="0"/>
               <a:pPr/>
-              <a:t>‹#›</a:t>
+              <a:t>‹nº›</a:t>
             </a:fld>
             <a:endParaRPr lang="en-US" dirty="0"/>
           </a:p>
@@ -5894,7 +5896,7 @@
           <a:p>
             <a:fld id="{4E3F0A0B-291C-4112-A023-023C51AB2E85}" type="datetime1">
               <a:rPr lang="en-US" smtClean="0"/>
-              <a:t>3/2/2020</a:t>
+              <a:t>3/2/20</a:t>
             </a:fld>
             <a:endParaRPr lang="en-US" dirty="0"/>
           </a:p>
@@ -5973,7 +5975,7 @@
             <a:fld id="{D57F1E4F-1CFF-5643-939E-217C01CDF565}" type="slidenum">
               <a:rPr lang="en-US" dirty="0"/>
               <a:pPr/>
-              <a:t>‹#›</a:t>
+              <a:t>‹nº›</a:t>
             </a:fld>
             <a:endParaRPr lang="en-US" dirty="0"/>
           </a:p>
@@ -8235,8 +8237,8 @@
         </p:nvSpPr>
         <p:spPr>
           <a:xfrm>
-            <a:off x="1018191" y="1565671"/>
-            <a:ext cx="8370280" cy="923330"/>
+            <a:off x="1018190" y="1565671"/>
+            <a:ext cx="9016395" cy="923330"/>
           </a:xfrm>
           <a:prstGeom prst="rect">
             <a:avLst/>
@@ -8265,7 +8267,15 @@
             </a:pPr>
             <a:r>
               <a:rPr lang="pt-PT" dirty="0"/>
-              <a:t>Responsável por ditar quem é o “current target” atual a abater; </a:t>
+              <a:t>Responsável por ditar quem é o “current target” atual a abater por parte dos </a:t>
+            </a:r>
+            <a:r>
+              <a:rPr lang="pt-PT" dirty="0" err="1"/>
+              <a:t>Soldiers</a:t>
+            </a:r>
+            <a:r>
+              <a:rPr lang="pt-PT" dirty="0"/>
+              <a:t>; </a:t>
             </a:r>
           </a:p>
           <a:p>
@@ -8376,7 +8386,7 @@
             </a:pPr>
             <a:r>
               <a:rPr lang="pt-PT" dirty="0"/>
-              <a:t>Guarda as posições de cada inimigo numa HashMap;   </a:t>
+              <a:t>Guarda as posições mais recentes de cada inimigo numa HashMap;   </a:t>
             </a:r>
           </a:p>
         </p:txBody>
@@ -9075,9 +9085,10 @@
           <a:p>
             <a:pPr algn="l"/>
             <a:r>
-              <a:rPr lang="en-US" dirty="0"/>
-              <a:t>Soldier</a:t>
-            </a:r>
+              <a:rPr lang="en-US" dirty="0" err="1"/>
+              <a:t>TeamLeader</a:t>
+            </a:r>
+            <a:endParaRPr lang="en-US" dirty="0"/>
           </a:p>
         </p:txBody>
       </p:sp>
@@ -9095,8 +9106,8 @@
         </p:nvSpPr>
         <p:spPr>
           <a:xfrm>
-            <a:off x="1018191" y="1565671"/>
-            <a:ext cx="8370280" cy="3262432"/>
+            <a:off x="5775044" y="1881032"/>
+            <a:ext cx="6084021" cy="2944186"/>
           </a:xfrm>
           <a:prstGeom prst="rect">
             <a:avLst/>
@@ -9109,13 +9120,43 @@
           </a:bodyPr>
           <a:lstStyle/>
           <a:p>
+            <a:r>
+              <a:rPr lang="pt-PT" dirty="0"/>
+              <a:t>Como se movimenta? Usa um método chamado </a:t>
+            </a:r>
+            <a:r>
+              <a:rPr lang="pt-PT" dirty="0" err="1"/>
+              <a:t>Minimum</a:t>
+            </a:r>
+            <a:r>
+              <a:rPr lang="pt-PT" dirty="0"/>
+              <a:t> </a:t>
+            </a:r>
+            <a:r>
+              <a:rPr lang="pt-PT" dirty="0" err="1"/>
+              <a:t>Risk</a:t>
+            </a:r>
+            <a:r>
+              <a:rPr lang="pt-PT" dirty="0"/>
+              <a:t> </a:t>
+            </a:r>
+            <a:r>
+              <a:rPr lang="pt-PT" dirty="0" err="1"/>
+              <a:t>Movement</a:t>
+            </a:r>
+            <a:r>
+              <a:rPr lang="pt-PT" dirty="0"/>
+              <a:t>, de forma a tentar estar posicionado no local mais seguro da batalha.</a:t>
+            </a:r>
+          </a:p>
+          <a:p>
             <a:pPr marL="285750" indent="-285750">
               <a:buFont typeface="Arial" panose="020B0604020202020204" pitchFamily="34" charset="0"/>
               <a:buChar char="•"/>
             </a:pPr>
             <a:r>
               <a:rPr lang="pt-PT" dirty="0"/>
-              <a:t>Não possuem radar, dependem da informação enviada pelo TeamLeader.</a:t>
+              <a:t>Função de Risco</a:t>
             </a:r>
           </a:p>
           <a:p>
@@ -9125,146 +9166,786 @@
             </a:pPr>
             <a:r>
               <a:rPr lang="pt-PT" dirty="0"/>
-              <a:t>Recebe informação sobre a posição para onde deverá abrir fogo através da função onMessageReceived;  </a:t>
-            </a:r>
-          </a:p>
-          <a:p>
-            <a:pPr lvl="3"/>
-            <a:endParaRPr lang="en-US" sz="1400" b="1" i="1" dirty="0"/>
-          </a:p>
-          <a:p>
-            <a:pPr lvl="3"/>
-            <a:r>
-              <a:rPr lang="en-US" sz="1400" b="1" i="1" dirty="0"/>
-              <a:t>public void </a:t>
-            </a:r>
-            <a:r>
-              <a:rPr lang="en-US" sz="1400" b="1" i="1" dirty="0" err="1"/>
-              <a:t>onMessageReceived</a:t>
-            </a:r>
-            <a:r>
-              <a:rPr lang="en-US" sz="1400" b="1" i="1" dirty="0"/>
-              <a:t>(</a:t>
-            </a:r>
-            <a:r>
-              <a:rPr lang="en-US" sz="1400" b="1" i="1" dirty="0" err="1"/>
-              <a:t>MessageEvent</a:t>
-            </a:r>
-            <a:r>
-              <a:rPr lang="en-US" sz="1400" b="1" i="1" dirty="0"/>
-              <a:t> e) {</a:t>
-            </a:r>
-          </a:p>
-          <a:p>
-            <a:pPr lvl="3"/>
-            <a:r>
-              <a:rPr lang="en-US" sz="1400" b="1" i="1" dirty="0"/>
-              <a:t>	if (</a:t>
-            </a:r>
-            <a:r>
-              <a:rPr lang="en-US" sz="1400" b="1" i="1" dirty="0" err="1"/>
-              <a:t>e.getMessage</a:t>
-            </a:r>
-            <a:r>
-              <a:rPr lang="en-US" sz="1400" b="1" i="1" dirty="0"/>
-              <a:t>() </a:t>
-            </a:r>
-            <a:r>
-              <a:rPr lang="en-US" sz="1400" b="1" i="1" dirty="0" err="1"/>
-              <a:t>instanceof</a:t>
-            </a:r>
-            <a:r>
-              <a:rPr lang="en-US" sz="1400" b="1" i="1" dirty="0"/>
-              <a:t> </a:t>
-            </a:r>
-            <a:r>
-              <a:rPr lang="en-US" sz="1400" b="1" i="1" dirty="0" err="1"/>
-              <a:t>RobotInfo</a:t>
-            </a:r>
-            <a:r>
-              <a:rPr lang="en-US" sz="1400" b="1" i="1" dirty="0"/>
-              <a:t>) {</a:t>
-            </a:r>
-          </a:p>
-          <a:p>
-            <a:pPr lvl="3"/>
-            <a:r>
-              <a:rPr lang="fr-FR" sz="1400" i="1" dirty="0"/>
-              <a:t>		</a:t>
-            </a:r>
-            <a:r>
-              <a:rPr lang="fr-FR" sz="1400" i="1" dirty="0" err="1"/>
-              <a:t>RobotInfo</a:t>
-            </a:r>
-            <a:r>
-              <a:rPr lang="fr-FR" sz="1400" i="1" dirty="0"/>
-              <a:t> en = (</a:t>
-            </a:r>
-            <a:r>
-              <a:rPr lang="fr-FR" sz="1400" i="1" dirty="0" err="1"/>
-              <a:t>RobotInfo</a:t>
-            </a:r>
-            <a:r>
-              <a:rPr lang="fr-FR" sz="1400" i="1" dirty="0"/>
-              <a:t>) </a:t>
-            </a:r>
-            <a:r>
-              <a:rPr lang="fr-FR" sz="1400" i="1" dirty="0" err="1"/>
-              <a:t>e.getMessage</a:t>
-            </a:r>
-            <a:r>
-              <a:rPr lang="fr-FR" sz="1400" i="1" dirty="0"/>
-              <a:t>();</a:t>
-            </a:r>
-          </a:p>
-          <a:p>
-            <a:pPr lvl="3"/>
-            <a:r>
-              <a:rPr lang="en-US" sz="1400" i="1" dirty="0"/>
-              <a:t>		Coordinate </a:t>
-            </a:r>
-            <a:r>
-              <a:rPr lang="en-US" sz="1400" i="1" dirty="0" err="1"/>
-              <a:t>cor</a:t>
-            </a:r>
-            <a:r>
-              <a:rPr lang="en-US" sz="1400" i="1" dirty="0"/>
-              <a:t> = </a:t>
-            </a:r>
-            <a:r>
-              <a:rPr lang="en-US" sz="1400" b="1" i="1" dirty="0"/>
-              <a:t>new Coordinate(</a:t>
-            </a:r>
-            <a:r>
-              <a:rPr lang="en-US" sz="1400" b="1" i="1" dirty="0" err="1"/>
-              <a:t>en.getCoordinates</a:t>
-            </a:r>
-            <a:r>
-              <a:rPr lang="en-US" sz="1400" b="1" i="1" dirty="0"/>
-              <a:t>()); </a:t>
-            </a:r>
-          </a:p>
-          <a:p>
-            <a:pPr lvl="3"/>
-            <a:r>
-              <a:rPr lang="en-US" sz="1400" b="1" i="1" dirty="0"/>
-              <a:t>		(…) </a:t>
-            </a:r>
-          </a:p>
-          <a:p>
-            <a:pPr lvl="3"/>
-            <a:endParaRPr lang="pt-PT" sz="1400" i="1" dirty="0"/>
+              <a:t>Função de geração de pontos</a:t>
+            </a:r>
           </a:p>
           <a:p>
             <a:pPr marL="285750" indent="-285750">
               <a:buFont typeface="Arial" panose="020B0604020202020204" pitchFamily="34" charset="0"/>
               <a:buChar char="•"/>
             </a:pPr>
+            <a:endParaRPr lang="pt-PT" dirty="0"/>
+          </a:p>
+          <a:p>
             <a:r>
               <a:rPr lang="pt-PT" dirty="0"/>
-              <a:t>Quando o líder está vivo atua de forma agressiva;</a:t>
-            </a:r>
-          </a:p>
+              <a:t>No disparo usa o simples método </a:t>
+            </a:r>
+            <a:r>
+              <a:rPr lang="pt-PT" dirty="0" err="1"/>
+              <a:t>Head-On</a:t>
+            </a:r>
+            <a:r>
+              <a:rPr lang="pt-PT" dirty="0"/>
+              <a:t> </a:t>
+            </a:r>
+            <a:r>
+              <a:rPr lang="pt-PT" dirty="0" err="1"/>
+              <a:t>Targeting</a:t>
+            </a:r>
+            <a:r>
+              <a:rPr lang="pt-PT" dirty="0"/>
+              <a:t> que é uma simples estratégia que consiste em disparar para o ultimo local onde o inimigo foi visto.</a:t>
+            </a:r>
+          </a:p>
+          <a:p>
+            <a:r>
+              <a:rPr lang="pt-PT" dirty="0"/>
+              <a:t>  </a:t>
+            </a:r>
+          </a:p>
+        </p:txBody>
+      </p:sp>
+      <p:pic>
+        <p:nvPicPr>
+          <p:cNvPr id="4" name="Multimédia Online 3" descr="Robocode minimum risk movement of HawkOnFire">
+            <a:hlinkClick r:id="" action="ppaction://media"/>
+            <a:extLst>
+              <a:ext uri="{FF2B5EF4-FFF2-40B4-BE49-F238E27FC236}">
+                <a16:creationId xmlns:a16="http://schemas.microsoft.com/office/drawing/2014/main" id="{4AA5A74B-D924-B243-A008-56F1A3CC1BEB}"/>
+              </a:ext>
+            </a:extLst>
+          </p:cNvPr>
+          <p:cNvPicPr>
+            <a:picLocks noRot="1" noChangeAspect="1"/>
+          </p:cNvPicPr>
+          <p:nvPr>
+            <a:videoFile r:link="rId1"/>
+          </p:nvPr>
+        </p:nvPicPr>
+        <p:blipFill>
+          <a:blip r:embed="rId3"/>
+          <a:stretch>
+            <a:fillRect/>
+          </a:stretch>
+        </p:blipFill>
+        <p:spPr>
+          <a:xfrm>
+            <a:off x="438187" y="1881032"/>
+            <a:ext cx="4997375" cy="3745309"/>
+          </a:xfrm>
+          <a:prstGeom prst="rect">
+            <a:avLst/>
+          </a:prstGeom>
+        </p:spPr>
+      </p:pic>
+    </p:spTree>
+    <p:extLst>
+      <p:ext uri="{BB962C8B-B14F-4D97-AF65-F5344CB8AC3E}">
+        <p14:creationId xmlns:p14="http://schemas.microsoft.com/office/powerpoint/2010/main" val="1798216972"/>
+      </p:ext>
+    </p:extLst>
+  </p:cSld>
+  <p:clrMapOvr>
+    <a:overrideClrMapping bg1="dk1" tx1="lt1" bg2="dk2" tx2="lt2" accent1="accent1" accent2="accent2" accent3="accent3" accent4="accent4" accent5="accent5" accent6="accent6" hlink="hlink" folHlink="folHlink"/>
+  </p:clrMapOvr>
+  <p:timing>
+    <p:tnLst>
+      <p:par>
+        <p:cTn id="1" dur="indefinite" restart="never" nodeType="tmRoot">
+          <p:childTnLst>
+            <p:seq concurrent="1" nextAc="seek">
+              <p:cTn id="2" dur="indefinite" nodeType="mainSeq">
+                <p:childTnLst>
+                  <p:par>
+                    <p:cTn id="3" fill="hold">
+                      <p:stCondLst>
+                        <p:cond delay="indefinite"/>
+                      </p:stCondLst>
+                      <p:childTnLst>
+                        <p:par>
+                          <p:cTn id="4" fill="hold">
+                            <p:stCondLst>
+                              <p:cond delay="0"/>
+                            </p:stCondLst>
+                            <p:childTnLst>
+                              <p:par>
+                                <p:cTn id="5" presetID="1" presetClass="mediacall" presetSubtype="0" fill="hold" nodeType="clickEffect">
+                                  <p:stCondLst>
+                                    <p:cond delay="0"/>
+                                  </p:stCondLst>
+                                  <p:childTnLst>
+                                    <p:cmd type="call" cmd="playFrom(0.0)">
+                                      <p:cBhvr>
+                                        <p:cTn id="6" dur="1" fill="hold"/>
+                                        <p:tgtEl>
+                                          <p:spTgt spid="4"/>
+                                        </p:tgtEl>
+                                      </p:cBhvr>
+                                    </p:cmd>
+                                  </p:childTnLst>
+                                </p:cTn>
+                              </p:par>
+                            </p:childTnLst>
+                          </p:cTn>
+                        </p:par>
+                      </p:childTnLst>
+                    </p:cTn>
+                  </p:par>
+                </p:childTnLst>
+              </p:cTn>
+              <p:prevCondLst>
+                <p:cond evt="onPrev" delay="0">
+                  <p:tgtEl>
+                    <p:sldTgt/>
+                  </p:tgtEl>
+                </p:cond>
+              </p:prevCondLst>
+              <p:nextCondLst>
+                <p:cond evt="onNext" delay="0">
+                  <p:tgtEl>
+                    <p:sldTgt/>
+                  </p:tgtEl>
+                </p:cond>
+              </p:nextCondLst>
+            </p:seq>
+            <p:video>
+              <p:cMediaNode vol="80000">
+                <p:cTn id="7" fill="hold" display="0">
+                  <p:stCondLst>
+                    <p:cond delay="indefinite"/>
+                  </p:stCondLst>
+                </p:cTn>
+                <p:tgtEl>
+                  <p:spTgt spid="4"/>
+                </p:tgtEl>
+              </p:cMediaNode>
+            </p:video>
+            <p:seq concurrent="1" nextAc="seek">
+              <p:cTn id="8" restart="whenNotActive" fill="hold" evtFilter="cancelBubble" nodeType="interactiveSeq">
+                <p:stCondLst>
+                  <p:cond evt="onClick" delay="0">
+                    <p:tgtEl>
+                      <p:spTgt spid="4"/>
+                    </p:tgtEl>
+                  </p:cond>
+                </p:stCondLst>
+                <p:endSync evt="end" delay="0">
+                  <p:rtn val="all"/>
+                </p:endSync>
+                <p:childTnLst>
+                  <p:par>
+                    <p:cTn id="9" fill="hold">
+                      <p:stCondLst>
+                        <p:cond delay="0"/>
+                      </p:stCondLst>
+                      <p:childTnLst>
+                        <p:par>
+                          <p:cTn id="10" fill="hold">
+                            <p:stCondLst>
+                              <p:cond delay="0"/>
+                            </p:stCondLst>
+                            <p:childTnLst>
+                              <p:par>
+                                <p:cTn id="11" presetID="2" presetClass="mediacall" presetSubtype="0" fill="hold" nodeType="clickEffect">
+                                  <p:stCondLst>
+                                    <p:cond delay="0"/>
+                                  </p:stCondLst>
+                                  <p:childTnLst>
+                                    <p:cmd type="call" cmd="togglePause">
+                                      <p:cBhvr>
+                                        <p:cTn id="12" dur="1" fill="hold"/>
+                                        <p:tgtEl>
+                                          <p:spTgt spid="4"/>
+                                        </p:tgtEl>
+                                      </p:cBhvr>
+                                    </p:cmd>
+                                  </p:childTnLst>
+                                </p:cTn>
+                              </p:par>
+                            </p:childTnLst>
+                          </p:cTn>
+                        </p:par>
+                      </p:childTnLst>
+                    </p:cTn>
+                  </p:par>
+                </p:childTnLst>
+              </p:cTn>
+              <p:nextCondLst>
+                <p:cond evt="onClick" delay="0">
+                  <p:tgtEl>
+                    <p:spTgt spid="4"/>
+                  </p:tgtEl>
+                </p:cond>
+              </p:nextCondLst>
+            </p:seq>
+          </p:childTnLst>
+        </p:cTn>
+      </p:par>
+    </p:tnLst>
+  </p:timing>
+</p:sld>
+</file>
+
+<file path=ppt/slides/slide5.xml><?xml version="1.0" encoding="utf-8"?>
+<p:sld xmlns:a="http://schemas.openxmlformats.org/drawingml/2006/main" xmlns:r="http://schemas.openxmlformats.org/officeDocument/2006/relationships" xmlns:p="http://schemas.openxmlformats.org/presentationml/2006/main">
+  <p:cSld>
+    <p:bg>
+      <p:bgPr>
+        <a:solidFill>
+          <a:schemeClr val="bg2"/>
+        </a:solidFill>
+        <a:effectLst/>
+      </p:bgPr>
+    </p:bg>
+    <p:spTree>
+      <p:nvGrpSpPr>
+        <p:cNvPr id="1" name=""/>
+        <p:cNvGrpSpPr/>
+        <p:nvPr/>
+      </p:nvGrpSpPr>
+      <p:grpSpPr>
+        <a:xfrm>
+          <a:off x="0" y="0"/>
+          <a:ext cx="0" cy="0"/>
+          <a:chOff x="0" y="0"/>
+          <a:chExt cx="0" cy="0"/>
+        </a:xfrm>
+      </p:grpSpPr>
+      <p:sp useBgFill="1">
+        <p:nvSpPr>
+          <p:cNvPr id="21" name="Rectangle 20">
+            <a:extLst>
+              <a:ext uri="{FF2B5EF4-FFF2-40B4-BE49-F238E27FC236}">
+                <a16:creationId xmlns:a16="http://schemas.microsoft.com/office/drawing/2014/main" id="{99CAC3B1-4879-424D-8F15-206277196159}"/>
+              </a:ext>
+              <a:ext uri="{C183D7F6-B498-43B3-948B-1728B52AA6E4}">
+                <adec:decorative xmlns:adec="http://schemas.microsoft.com/office/drawing/2017/decorative" val="1"/>
+              </a:ext>
+            </a:extLst>
+          </p:cNvPr>
+          <p:cNvSpPr>
+            <a:spLocks noGrp="1" noRot="1" noChangeAspect="1" noMove="1" noResize="1" noEditPoints="1" noAdjustHandles="1" noChangeArrowheads="1" noChangeShapeType="1" noTextEdit="1"/>
+          </p:cNvSpPr>
+          <p:nvPr>
+            <p:extLst>
+              <p:ext uri="{386F3935-93C4-4BCD-93E2-E3B085C9AB24}">
+                <p16:designElem xmlns:p16="http://schemas.microsoft.com/office/powerpoint/2015/main" val="1"/>
+              </p:ext>
+            </p:extLst>
+          </p:nvPr>
+        </p:nvSpPr>
+        <p:spPr>
+          <a:xfrm>
+            <a:off x="0" y="0"/>
+            <a:ext cx="12192000" cy="6858000"/>
+          </a:xfrm>
+          <a:prstGeom prst="rect">
+            <a:avLst/>
+          </a:prstGeom>
+          <a:ln>
+            <a:noFill/>
+          </a:ln>
+        </p:spPr>
+        <p:style>
+          <a:lnRef idx="2">
+            <a:schemeClr val="accent1">
+              <a:shade val="50000"/>
+            </a:schemeClr>
+          </a:lnRef>
+          <a:fillRef idx="1">
+            <a:schemeClr val="accent1"/>
+          </a:fillRef>
+          <a:effectRef idx="0">
+            <a:schemeClr val="accent1"/>
+          </a:effectRef>
+          <a:fontRef idx="minor">
+            <a:schemeClr val="lt1"/>
+          </a:fontRef>
+        </p:style>
+        <p:txBody>
+          <a:bodyPr rtlCol="0" anchor="ctr"/>
+          <a:lstStyle/>
+          <a:p>
+            <a:pPr algn="ctr"/>
+            <a:endParaRPr lang="en-US" dirty="0"/>
+          </a:p>
+        </p:txBody>
+      </p:sp>
+      <p:grpSp>
+        <p:nvGrpSpPr>
+          <p:cNvPr id="23" name="Group 22">
+            <a:extLst>
+              <a:ext uri="{FF2B5EF4-FFF2-40B4-BE49-F238E27FC236}">
+                <a16:creationId xmlns:a16="http://schemas.microsoft.com/office/drawing/2014/main" id="{4B8492CB-DFBA-4A82-9778-F21493DA36C1}"/>
+              </a:ext>
+              <a:ext uri="{C183D7F6-B498-43B3-948B-1728B52AA6E4}">
+                <adec:decorative xmlns:adec="http://schemas.microsoft.com/office/drawing/2017/decorative" val="1"/>
+              </a:ext>
+            </a:extLst>
+          </p:cNvPr>
+          <p:cNvGrpSpPr>
+            <a:grpSpLocks noGrp="1" noUngrp="1" noRot="1" noChangeAspect="1" noMove="1" noResize="1"/>
+          </p:cNvGrpSpPr>
+          <p:nvPr>
+            <p:extLst>
+              <p:ext uri="{386F3935-93C4-4BCD-93E2-E3B085C9AB24}">
+                <p16:designElem xmlns:p16="http://schemas.microsoft.com/office/powerpoint/2015/main" val="1"/>
+              </p:ext>
+            </p:extLst>
+          </p:nvPr>
+        </p:nvGrpSpPr>
+        <p:grpSpPr>
+          <a:xfrm flipH="1">
+            <a:off x="6526211" y="0"/>
+            <a:ext cx="5014912" cy="6862763"/>
+            <a:chOff x="2928938" y="-4763"/>
+            <a:chExt cx="5014912" cy="6862763"/>
+          </a:xfrm>
+        </p:grpSpPr>
+        <p:sp>
+          <p:nvSpPr>
+            <p:cNvPr id="24" name="Freeform 6">
+              <a:extLst>
+                <a:ext uri="{FF2B5EF4-FFF2-40B4-BE49-F238E27FC236}">
+                  <a16:creationId xmlns:a16="http://schemas.microsoft.com/office/drawing/2014/main" id="{E34CC1C8-EBDD-4AEA-83E6-B27575B62E2E}"/>
+                </a:ext>
+                <a:ext uri="{C183D7F6-B498-43B3-948B-1728B52AA6E4}">
+                  <adec:decorative xmlns:adec="http://schemas.microsoft.com/office/drawing/2017/decorative" val="1"/>
+                </a:ext>
+              </a:extLst>
+            </p:cNvPr>
+            <p:cNvSpPr/>
+            <p:nvPr>
+              <p:extLst>
+                <p:ext uri="{386F3935-93C4-4BCD-93E2-E3B085C9AB24}">
+                  <p16:designElem xmlns:p16="http://schemas.microsoft.com/office/powerpoint/2015/main" val="1"/>
+                </p:ext>
+              </p:extLst>
+            </p:nvPr>
+          </p:nvSpPr>
+          <p:spPr bwMode="auto">
+            <a:xfrm>
+              <a:off x="3367088" y="-4763"/>
+              <a:ext cx="1063625" cy="2782888"/>
+            </a:xfrm>
+            <a:custGeom>
+              <a:avLst/>
+              <a:gdLst/>
+              <a:ahLst/>
+              <a:cxnLst/>
+              <a:rect l="0" t="0" r="r" b="b"/>
+              <a:pathLst>
+                <a:path w="670" h="1753">
+                  <a:moveTo>
+                    <a:pt x="0" y="1696"/>
+                  </a:moveTo>
+                  <a:lnTo>
+                    <a:pt x="225" y="1753"/>
+                  </a:lnTo>
+                  <a:lnTo>
+                    <a:pt x="670" y="0"/>
+                  </a:lnTo>
+                  <a:lnTo>
+                    <a:pt x="430" y="0"/>
+                  </a:lnTo>
+                  <a:lnTo>
+                    <a:pt x="0" y="1696"/>
+                  </a:lnTo>
+                  <a:close/>
+                </a:path>
+              </a:pathLst>
+            </a:custGeom>
+            <a:solidFill>
+              <a:schemeClr val="accent1"/>
+            </a:solidFill>
+            <a:ln>
+              <a:noFill/>
+            </a:ln>
+          </p:spPr>
+        </p:sp>
+        <p:sp>
+          <p:nvSpPr>
+            <p:cNvPr id="25" name="Freeform 7">
+              <a:extLst>
+                <a:ext uri="{FF2B5EF4-FFF2-40B4-BE49-F238E27FC236}">
+                  <a16:creationId xmlns:a16="http://schemas.microsoft.com/office/drawing/2014/main" id="{D6B38644-B85D-4211-9526-5B4C2A662BF7}"/>
+                </a:ext>
+                <a:ext uri="{C183D7F6-B498-43B3-948B-1728B52AA6E4}">
+                  <adec:decorative xmlns:adec="http://schemas.microsoft.com/office/drawing/2017/decorative" val="1"/>
+                </a:ext>
+              </a:extLst>
+            </p:cNvPr>
+            <p:cNvSpPr/>
+            <p:nvPr>
+              <p:extLst>
+                <p:ext uri="{386F3935-93C4-4BCD-93E2-E3B085C9AB24}">
+                  <p16:designElem xmlns:p16="http://schemas.microsoft.com/office/powerpoint/2015/main" val="1"/>
+                </p:ext>
+              </p:extLst>
+            </p:nvPr>
+          </p:nvSpPr>
+          <p:spPr bwMode="auto">
+            <a:xfrm>
+              <a:off x="2928938" y="-4763"/>
+              <a:ext cx="1035050" cy="2673350"/>
+            </a:xfrm>
+            <a:custGeom>
+              <a:avLst/>
+              <a:gdLst/>
+              <a:ahLst/>
+              <a:cxnLst/>
+              <a:rect l="0" t="0" r="r" b="b"/>
+              <a:pathLst>
+                <a:path w="652" h="1684">
+                  <a:moveTo>
+                    <a:pt x="225" y="1684"/>
+                  </a:moveTo>
+                  <a:lnTo>
+                    <a:pt x="652" y="0"/>
+                  </a:lnTo>
+                  <a:lnTo>
+                    <a:pt x="411" y="0"/>
+                  </a:lnTo>
+                  <a:lnTo>
+                    <a:pt x="0" y="1627"/>
+                  </a:lnTo>
+                  <a:lnTo>
+                    <a:pt x="219" y="1681"/>
+                  </a:lnTo>
+                  <a:lnTo>
+                    <a:pt x="225" y="1684"/>
+                  </a:lnTo>
+                  <a:close/>
+                </a:path>
+              </a:pathLst>
+            </a:custGeom>
+            <a:solidFill>
+              <a:srgbClr val="595959"/>
+            </a:solidFill>
+            <a:ln>
+              <a:noFill/>
+            </a:ln>
+          </p:spPr>
+        </p:sp>
+        <p:sp>
+          <p:nvSpPr>
+            <p:cNvPr id="26" name="Freeform 12">
+              <a:extLst>
+                <a:ext uri="{FF2B5EF4-FFF2-40B4-BE49-F238E27FC236}">
+                  <a16:creationId xmlns:a16="http://schemas.microsoft.com/office/drawing/2014/main" id="{8A8B2820-6B8F-4C19-BFC5-D28EE44E54CB}"/>
+                </a:ext>
+                <a:ext uri="{C183D7F6-B498-43B3-948B-1728B52AA6E4}">
+                  <adec:decorative xmlns:adec="http://schemas.microsoft.com/office/drawing/2017/decorative" val="1"/>
+                </a:ext>
+              </a:extLst>
+            </p:cNvPr>
+            <p:cNvSpPr/>
+            <p:nvPr>
+              <p:extLst>
+                <p:ext uri="{386F3935-93C4-4BCD-93E2-E3B085C9AB24}">
+                  <p16:designElem xmlns:p16="http://schemas.microsoft.com/office/powerpoint/2015/main" val="1"/>
+                </p:ext>
+              </p:extLst>
+            </p:nvPr>
+          </p:nvSpPr>
+          <p:spPr bwMode="auto">
+            <a:xfrm>
+              <a:off x="2928938" y="2582862"/>
+              <a:ext cx="2693987" cy="4275138"/>
+            </a:xfrm>
+            <a:custGeom>
+              <a:avLst/>
+              <a:gdLst/>
+              <a:ahLst/>
+              <a:cxnLst/>
+              <a:rect l="0" t="0" r="r" b="b"/>
+              <a:pathLst>
+                <a:path w="1697" h="2693">
+                  <a:moveTo>
+                    <a:pt x="0" y="0"/>
+                  </a:moveTo>
+                  <a:lnTo>
+                    <a:pt x="1622" y="2693"/>
+                  </a:lnTo>
+                  <a:lnTo>
+                    <a:pt x="1697" y="2693"/>
+                  </a:lnTo>
+                  <a:lnTo>
+                    <a:pt x="0" y="0"/>
+                  </a:lnTo>
+                  <a:close/>
+                </a:path>
+              </a:pathLst>
+            </a:custGeom>
+            <a:solidFill>
+              <a:srgbClr val="262626"/>
+            </a:solidFill>
+            <a:ln>
+              <a:noFill/>
+            </a:ln>
+          </p:spPr>
+        </p:sp>
+        <p:sp>
+          <p:nvSpPr>
+            <p:cNvPr id="27" name="Freeform 13">
+              <a:extLst>
+                <a:ext uri="{FF2B5EF4-FFF2-40B4-BE49-F238E27FC236}">
+                  <a16:creationId xmlns:a16="http://schemas.microsoft.com/office/drawing/2014/main" id="{773528ED-4D37-4A77-A8CA-86B6221C5E82}"/>
+                </a:ext>
+                <a:ext uri="{C183D7F6-B498-43B3-948B-1728B52AA6E4}">
+                  <adec:decorative xmlns:adec="http://schemas.microsoft.com/office/drawing/2017/decorative" val="1"/>
+                </a:ext>
+              </a:extLst>
+            </p:cNvPr>
+            <p:cNvSpPr/>
+            <p:nvPr>
+              <p:extLst>
+                <p:ext uri="{386F3935-93C4-4BCD-93E2-E3B085C9AB24}">
+                  <p16:designElem xmlns:p16="http://schemas.microsoft.com/office/powerpoint/2015/main" val="1"/>
+                </p:ext>
+              </p:extLst>
+            </p:nvPr>
+          </p:nvSpPr>
+          <p:spPr bwMode="auto">
+            <a:xfrm>
+              <a:off x="3371850" y="2692400"/>
+              <a:ext cx="3332162" cy="4165600"/>
+            </a:xfrm>
+            <a:custGeom>
+              <a:avLst/>
+              <a:gdLst/>
+              <a:ahLst/>
+              <a:cxnLst/>
+              <a:rect l="0" t="0" r="r" b="b"/>
+              <a:pathLst>
+                <a:path w="2099" h="2624">
+                  <a:moveTo>
+                    <a:pt x="2099" y="2624"/>
+                  </a:moveTo>
+                  <a:lnTo>
+                    <a:pt x="0" y="0"/>
+                  </a:lnTo>
+                  <a:lnTo>
+                    <a:pt x="2021" y="2624"/>
+                  </a:lnTo>
+                  <a:lnTo>
+                    <a:pt x="2099" y="2624"/>
+                  </a:lnTo>
+                  <a:close/>
+                </a:path>
+              </a:pathLst>
+            </a:custGeom>
+            <a:solidFill>
+              <a:schemeClr val="accent1">
+                <a:lumMod val="50000"/>
+              </a:schemeClr>
+            </a:solidFill>
+            <a:ln>
+              <a:noFill/>
+            </a:ln>
+          </p:spPr>
+        </p:sp>
+        <p:sp>
+          <p:nvSpPr>
+            <p:cNvPr id="28" name="Freeform 14">
+              <a:extLst>
+                <a:ext uri="{FF2B5EF4-FFF2-40B4-BE49-F238E27FC236}">
+                  <a16:creationId xmlns:a16="http://schemas.microsoft.com/office/drawing/2014/main" id="{8A58A902-E944-4399-9A93-A91A6A82B166}"/>
+                </a:ext>
+                <a:ext uri="{C183D7F6-B498-43B3-948B-1728B52AA6E4}">
+                  <adec:decorative xmlns:adec="http://schemas.microsoft.com/office/drawing/2017/decorative" val="1"/>
+                </a:ext>
+              </a:extLst>
+            </p:cNvPr>
+            <p:cNvSpPr/>
+            <p:nvPr>
+              <p:extLst>
+                <p:ext uri="{386F3935-93C4-4BCD-93E2-E3B085C9AB24}">
+                  <p16:designElem xmlns:p16="http://schemas.microsoft.com/office/powerpoint/2015/main" val="1"/>
+                </p:ext>
+              </p:extLst>
+            </p:nvPr>
+          </p:nvSpPr>
+          <p:spPr bwMode="auto">
+            <a:xfrm>
+              <a:off x="3367088" y="2687637"/>
+              <a:ext cx="4576762" cy="4170363"/>
+            </a:xfrm>
+            <a:custGeom>
+              <a:avLst/>
+              <a:gdLst/>
+              <a:ahLst/>
+              <a:cxnLst/>
+              <a:rect l="0" t="0" r="r" b="b"/>
+              <a:pathLst>
+                <a:path w="2883" h="2627">
+                  <a:moveTo>
+                    <a:pt x="0" y="0"/>
+                  </a:moveTo>
+                  <a:lnTo>
+                    <a:pt x="3" y="3"/>
+                  </a:lnTo>
+                  <a:lnTo>
+                    <a:pt x="2102" y="2627"/>
+                  </a:lnTo>
+                  <a:lnTo>
+                    <a:pt x="2883" y="2627"/>
+                  </a:lnTo>
+                  <a:lnTo>
+                    <a:pt x="225" y="57"/>
+                  </a:lnTo>
+                  <a:lnTo>
+                    <a:pt x="0" y="0"/>
+                  </a:lnTo>
+                  <a:close/>
+                </a:path>
+              </a:pathLst>
+            </a:custGeom>
+            <a:solidFill>
+              <a:schemeClr val="accent1">
+                <a:lumMod val="75000"/>
+              </a:schemeClr>
+            </a:solidFill>
+            <a:ln>
+              <a:noFill/>
+            </a:ln>
+          </p:spPr>
+        </p:sp>
+        <p:sp>
+          <p:nvSpPr>
+            <p:cNvPr id="29" name="Freeform 15">
+              <a:extLst>
+                <a:ext uri="{FF2B5EF4-FFF2-40B4-BE49-F238E27FC236}">
+                  <a16:creationId xmlns:a16="http://schemas.microsoft.com/office/drawing/2014/main" id="{4EDB1155-2E8E-4FB8-AD42-101FE4383231}"/>
+                </a:ext>
+                <a:ext uri="{C183D7F6-B498-43B3-948B-1728B52AA6E4}">
+                  <adec:decorative xmlns:adec="http://schemas.microsoft.com/office/drawing/2017/decorative" val="1"/>
+                </a:ext>
+              </a:extLst>
+            </p:cNvPr>
+            <p:cNvSpPr/>
+            <p:nvPr>
+              <p:extLst>
+                <p:ext uri="{386F3935-93C4-4BCD-93E2-E3B085C9AB24}">
+                  <p16:designElem xmlns:p16="http://schemas.microsoft.com/office/powerpoint/2015/main" val="1"/>
+                </p:ext>
+              </p:extLst>
+            </p:nvPr>
+          </p:nvSpPr>
+          <p:spPr bwMode="auto">
+            <a:xfrm>
+              <a:off x="2928938" y="2578100"/>
+              <a:ext cx="3584575" cy="4279900"/>
+            </a:xfrm>
+            <a:custGeom>
+              <a:avLst/>
+              <a:gdLst/>
+              <a:ahLst/>
+              <a:cxnLst/>
+              <a:rect l="0" t="0" r="r" b="b"/>
+              <a:pathLst>
+                <a:path w="2258" h="2696">
+                  <a:moveTo>
+                    <a:pt x="2258" y="2696"/>
+                  </a:moveTo>
+                  <a:lnTo>
+                    <a:pt x="264" y="111"/>
+                  </a:lnTo>
+                  <a:lnTo>
+                    <a:pt x="228" y="60"/>
+                  </a:lnTo>
+                  <a:lnTo>
+                    <a:pt x="225" y="57"/>
+                  </a:lnTo>
+                  <a:lnTo>
+                    <a:pt x="0" y="0"/>
+                  </a:lnTo>
+                  <a:lnTo>
+                    <a:pt x="0" y="3"/>
+                  </a:lnTo>
+                  <a:lnTo>
+                    <a:pt x="1697" y="2696"/>
+                  </a:lnTo>
+                  <a:lnTo>
+                    <a:pt x="2258" y="2696"/>
+                  </a:lnTo>
+                  <a:close/>
+                </a:path>
+              </a:pathLst>
+            </a:custGeom>
+            <a:solidFill>
+              <a:srgbClr val="404040"/>
+            </a:solidFill>
+            <a:ln>
+              <a:noFill/>
+            </a:ln>
+          </p:spPr>
+        </p:sp>
+      </p:grpSp>
+      <p:sp>
+        <p:nvSpPr>
+          <p:cNvPr id="2" name="Title 1">
+            <a:extLst>
+              <a:ext uri="{FF2B5EF4-FFF2-40B4-BE49-F238E27FC236}">
+                <a16:creationId xmlns:a16="http://schemas.microsoft.com/office/drawing/2014/main" id="{C7492CCE-C435-464E-A19A-D4C606FDBE3D}"/>
+              </a:ext>
+            </a:extLst>
+          </p:cNvPr>
+          <p:cNvSpPr>
+            <a:spLocks noGrp="1"/>
+          </p:cNvSpPr>
+          <p:nvPr>
+            <p:ph type="title"/>
+          </p:nvPr>
+        </p:nvSpPr>
+        <p:spPr>
+          <a:xfrm>
+            <a:off x="1018191" y="685801"/>
+            <a:ext cx="7411825" cy="786008"/>
+          </a:xfrm>
+        </p:spPr>
+        <p:txBody>
+          <a:bodyPr>
+            <a:normAutofit/>
+          </a:bodyPr>
+          <a:lstStyle/>
+          <a:p>
+            <a:pPr algn="l"/>
+            <a:r>
+              <a:rPr lang="en-US" dirty="0"/>
+              <a:t>Soldier</a:t>
+            </a:r>
+          </a:p>
+        </p:txBody>
+      </p:sp>
+      <p:sp>
+        <p:nvSpPr>
+          <p:cNvPr id="7" name="TextBox 6">
+            <a:extLst>
+              <a:ext uri="{FF2B5EF4-FFF2-40B4-BE49-F238E27FC236}">
+                <a16:creationId xmlns:a16="http://schemas.microsoft.com/office/drawing/2014/main" id="{C858D479-E27C-41C1-A25F-CF4CC5C379F4}"/>
+              </a:ext>
+            </a:extLst>
+          </p:cNvPr>
+          <p:cNvSpPr txBox="1"/>
+          <p:nvPr/>
+        </p:nvSpPr>
+        <p:spPr>
+          <a:xfrm>
+            <a:off x="1018190" y="1565671"/>
+            <a:ext cx="9483121" cy="3262432"/>
+          </a:xfrm>
+          <a:prstGeom prst="rect">
+            <a:avLst/>
+          </a:prstGeom>
+          <a:noFill/>
+        </p:spPr>
+        <p:txBody>
+          <a:bodyPr wrap="square" rtlCol="0">
+            <a:spAutoFit/>
+          </a:bodyPr>
+          <a:lstStyle/>
           <a:p>
             <a:pPr marL="285750" indent="-285750">
               <a:buFont typeface="Arial" panose="020B0604020202020204" pitchFamily="34" charset="0"/>
@@ -9272,7 +9953,164 @@
             </a:pPr>
             <a:r>
               <a:rPr lang="pt-PT" dirty="0"/>
-              <a:t>Quando o líder está morto, entra em modo de contenção e faz movimentos random.</a:t>
+              <a:t>Não possuem radar, dependem da informação enviada pelo TeamLeader.</a:t>
+            </a:r>
+          </a:p>
+          <a:p>
+            <a:pPr marL="285750" indent="-285750">
+              <a:buFont typeface="Arial" panose="020B0604020202020204" pitchFamily="34" charset="0"/>
+              <a:buChar char="•"/>
+            </a:pPr>
+            <a:r>
+              <a:rPr lang="pt-PT" dirty="0"/>
+              <a:t>Recebe informação sobre a posição para onde deverá abrir fogo através da função onMessageReceived;  </a:t>
+            </a:r>
+          </a:p>
+          <a:p>
+            <a:pPr lvl="3"/>
+            <a:endParaRPr lang="en-US" sz="1400" b="1" i="1" dirty="0"/>
+          </a:p>
+          <a:p>
+            <a:pPr lvl="3"/>
+            <a:r>
+              <a:rPr lang="en-US" sz="1400" b="1" i="1" dirty="0"/>
+              <a:t>public void </a:t>
+            </a:r>
+            <a:r>
+              <a:rPr lang="en-US" sz="1400" b="1" i="1" dirty="0" err="1"/>
+              <a:t>onMessageReceived</a:t>
+            </a:r>
+            <a:r>
+              <a:rPr lang="en-US" sz="1400" b="1" i="1" dirty="0"/>
+              <a:t>(</a:t>
+            </a:r>
+            <a:r>
+              <a:rPr lang="en-US" sz="1400" b="1" i="1" dirty="0" err="1"/>
+              <a:t>MessageEvent</a:t>
+            </a:r>
+            <a:r>
+              <a:rPr lang="en-US" sz="1400" b="1" i="1" dirty="0"/>
+              <a:t> e) {</a:t>
+            </a:r>
+          </a:p>
+          <a:p>
+            <a:pPr lvl="3"/>
+            <a:r>
+              <a:rPr lang="en-US" sz="1400" b="1" i="1" dirty="0"/>
+              <a:t>	if (</a:t>
+            </a:r>
+            <a:r>
+              <a:rPr lang="en-US" sz="1400" b="1" i="1" dirty="0" err="1"/>
+              <a:t>e.getMessage</a:t>
+            </a:r>
+            <a:r>
+              <a:rPr lang="en-US" sz="1400" b="1" i="1" dirty="0"/>
+              <a:t>() </a:t>
+            </a:r>
+            <a:r>
+              <a:rPr lang="en-US" sz="1400" b="1" i="1" dirty="0" err="1"/>
+              <a:t>instanceof</a:t>
+            </a:r>
+            <a:r>
+              <a:rPr lang="en-US" sz="1400" b="1" i="1" dirty="0"/>
+              <a:t> </a:t>
+            </a:r>
+            <a:r>
+              <a:rPr lang="en-US" sz="1400" b="1" i="1" dirty="0" err="1"/>
+              <a:t>RobotInfo</a:t>
+            </a:r>
+            <a:r>
+              <a:rPr lang="en-US" sz="1400" b="1" i="1" dirty="0"/>
+              <a:t>) {</a:t>
+            </a:r>
+          </a:p>
+          <a:p>
+            <a:pPr lvl="3"/>
+            <a:r>
+              <a:rPr lang="fr-FR" sz="1400" i="1" dirty="0"/>
+              <a:t>		</a:t>
+            </a:r>
+            <a:r>
+              <a:rPr lang="fr-FR" sz="1400" i="1" dirty="0" err="1"/>
+              <a:t>RobotInfo</a:t>
+            </a:r>
+            <a:r>
+              <a:rPr lang="fr-FR" sz="1400" i="1" dirty="0"/>
+              <a:t> en = (</a:t>
+            </a:r>
+            <a:r>
+              <a:rPr lang="fr-FR" sz="1400" i="1" dirty="0" err="1"/>
+              <a:t>RobotInfo</a:t>
+            </a:r>
+            <a:r>
+              <a:rPr lang="fr-FR" sz="1400" i="1" dirty="0"/>
+              <a:t>) </a:t>
+            </a:r>
+            <a:r>
+              <a:rPr lang="fr-FR" sz="1400" i="1" dirty="0" err="1"/>
+              <a:t>e.getMessage</a:t>
+            </a:r>
+            <a:r>
+              <a:rPr lang="fr-FR" sz="1400" i="1" dirty="0"/>
+              <a:t>();</a:t>
+            </a:r>
+          </a:p>
+          <a:p>
+            <a:pPr lvl="3"/>
+            <a:r>
+              <a:rPr lang="en-US" sz="1400" i="1" dirty="0"/>
+              <a:t>		Coordinate </a:t>
+            </a:r>
+            <a:r>
+              <a:rPr lang="en-US" sz="1400" i="1" dirty="0" err="1"/>
+              <a:t>cor</a:t>
+            </a:r>
+            <a:r>
+              <a:rPr lang="en-US" sz="1400" i="1" dirty="0"/>
+              <a:t> = </a:t>
+            </a:r>
+            <a:r>
+              <a:rPr lang="en-US" sz="1400" b="1" i="1" dirty="0"/>
+              <a:t>new Coordinate(</a:t>
+            </a:r>
+            <a:r>
+              <a:rPr lang="en-US" sz="1400" b="1" i="1" dirty="0" err="1"/>
+              <a:t>en.getCoordinates</a:t>
+            </a:r>
+            <a:r>
+              <a:rPr lang="en-US" sz="1400" b="1" i="1" dirty="0"/>
+              <a:t>()); </a:t>
+            </a:r>
+          </a:p>
+          <a:p>
+            <a:pPr lvl="3"/>
+            <a:r>
+              <a:rPr lang="en-US" sz="1400" b="1" i="1" dirty="0"/>
+              <a:t>		(…) </a:t>
+            </a:r>
+          </a:p>
+          <a:p>
+            <a:pPr lvl="3"/>
+            <a:endParaRPr lang="pt-PT" sz="1400" i="1" dirty="0"/>
+          </a:p>
+          <a:p>
+            <a:pPr marL="285750" indent="-285750">
+              <a:buFont typeface="Arial" panose="020B0604020202020204" pitchFamily="34" charset="0"/>
+              <a:buChar char="•"/>
+            </a:pPr>
+            <a:r>
+              <a:rPr lang="pt-PT" dirty="0"/>
+              <a:t>Quando o líder está vivo atua de forma agressiva, tendo como principal objetivo protege-lo;</a:t>
+            </a:r>
+          </a:p>
+          <a:p>
+            <a:pPr marL="285750" indent="-285750">
+              <a:buFont typeface="Arial" panose="020B0604020202020204" pitchFamily="34" charset="0"/>
+              <a:buChar char="•"/>
+            </a:pPr>
+            <a:r>
+              <a:rPr lang="pt-PT" dirty="0"/>
+              <a:t>Quando o líder está morto, entra em modo de contenção e faz movimentos aleatórios para não ser atingido e evita disparar para não gastar energia.</a:t>
             </a:r>
           </a:p>
         </p:txBody>
@@ -9298,7 +10136,7 @@
         </p:blipFill>
         <p:spPr>
           <a:xfrm>
-            <a:off x="3940404" y="4562574"/>
+            <a:off x="7593239" y="4561736"/>
             <a:ext cx="2155596" cy="2155596"/>
           </a:xfrm>
           <a:prstGeom prst="rect">
@@ -9319,7 +10157,644 @@
 </p:sld>
 </file>
 
-<file path=ppt/slides/slide5.xml><?xml version="1.0" encoding="utf-8"?>
+<file path=ppt/slides/slide6.xml><?xml version="1.0" encoding="utf-8"?>
+<p:sld xmlns:a="http://schemas.openxmlformats.org/drawingml/2006/main" xmlns:r="http://schemas.openxmlformats.org/officeDocument/2006/relationships" xmlns:p="http://schemas.openxmlformats.org/presentationml/2006/main">
+  <p:cSld>
+    <p:bg>
+      <p:bgPr>
+        <a:solidFill>
+          <a:schemeClr val="bg2"/>
+        </a:solidFill>
+        <a:effectLst/>
+      </p:bgPr>
+    </p:bg>
+    <p:spTree>
+      <p:nvGrpSpPr>
+        <p:cNvPr id="1" name=""/>
+        <p:cNvGrpSpPr/>
+        <p:nvPr/>
+      </p:nvGrpSpPr>
+      <p:grpSpPr>
+        <a:xfrm>
+          <a:off x="0" y="0"/>
+          <a:ext cx="0" cy="0"/>
+          <a:chOff x="0" y="0"/>
+          <a:chExt cx="0" cy="0"/>
+        </a:xfrm>
+      </p:grpSpPr>
+      <p:sp useBgFill="1">
+        <p:nvSpPr>
+          <p:cNvPr id="21" name="Rectangle 20">
+            <a:extLst>
+              <a:ext uri="{FF2B5EF4-FFF2-40B4-BE49-F238E27FC236}">
+                <a16:creationId xmlns:a16="http://schemas.microsoft.com/office/drawing/2014/main" id="{99CAC3B1-4879-424D-8F15-206277196159}"/>
+              </a:ext>
+              <a:ext uri="{C183D7F6-B498-43B3-948B-1728B52AA6E4}">
+                <adec:decorative xmlns:adec="http://schemas.microsoft.com/office/drawing/2017/decorative" val="1"/>
+              </a:ext>
+            </a:extLst>
+          </p:cNvPr>
+          <p:cNvSpPr>
+            <a:spLocks noGrp="1" noRot="1" noChangeAspect="1" noMove="1" noResize="1" noEditPoints="1" noAdjustHandles="1" noChangeArrowheads="1" noChangeShapeType="1" noTextEdit="1"/>
+          </p:cNvSpPr>
+          <p:nvPr>
+            <p:extLst>
+              <p:ext uri="{386F3935-93C4-4BCD-93E2-E3B085C9AB24}">
+                <p16:designElem xmlns:p16="http://schemas.microsoft.com/office/powerpoint/2015/main" val="1"/>
+              </p:ext>
+            </p:extLst>
+          </p:nvPr>
+        </p:nvSpPr>
+        <p:spPr>
+          <a:xfrm>
+            <a:off x="0" y="0"/>
+            <a:ext cx="12192000" cy="6858000"/>
+          </a:xfrm>
+          <a:prstGeom prst="rect">
+            <a:avLst/>
+          </a:prstGeom>
+          <a:ln>
+            <a:noFill/>
+          </a:ln>
+        </p:spPr>
+        <p:style>
+          <a:lnRef idx="2">
+            <a:schemeClr val="accent1">
+              <a:shade val="50000"/>
+            </a:schemeClr>
+          </a:lnRef>
+          <a:fillRef idx="1">
+            <a:schemeClr val="accent1"/>
+          </a:fillRef>
+          <a:effectRef idx="0">
+            <a:schemeClr val="accent1"/>
+          </a:effectRef>
+          <a:fontRef idx="minor">
+            <a:schemeClr val="lt1"/>
+          </a:fontRef>
+        </p:style>
+        <p:txBody>
+          <a:bodyPr rtlCol="0" anchor="ctr"/>
+          <a:lstStyle/>
+          <a:p>
+            <a:pPr algn="ctr"/>
+            <a:endParaRPr lang="en-US" dirty="0"/>
+          </a:p>
+        </p:txBody>
+      </p:sp>
+      <p:grpSp>
+        <p:nvGrpSpPr>
+          <p:cNvPr id="23" name="Group 22">
+            <a:extLst>
+              <a:ext uri="{FF2B5EF4-FFF2-40B4-BE49-F238E27FC236}">
+                <a16:creationId xmlns:a16="http://schemas.microsoft.com/office/drawing/2014/main" id="{4B8492CB-DFBA-4A82-9778-F21493DA36C1}"/>
+              </a:ext>
+              <a:ext uri="{C183D7F6-B498-43B3-948B-1728B52AA6E4}">
+                <adec:decorative xmlns:adec="http://schemas.microsoft.com/office/drawing/2017/decorative" val="1"/>
+              </a:ext>
+            </a:extLst>
+          </p:cNvPr>
+          <p:cNvGrpSpPr>
+            <a:grpSpLocks noGrp="1" noUngrp="1" noRot="1" noChangeAspect="1" noMove="1" noResize="1"/>
+          </p:cNvGrpSpPr>
+          <p:nvPr>
+            <p:extLst>
+              <p:ext uri="{386F3935-93C4-4BCD-93E2-E3B085C9AB24}">
+                <p16:designElem xmlns:p16="http://schemas.microsoft.com/office/powerpoint/2015/main" val="1"/>
+              </p:ext>
+            </p:extLst>
+          </p:nvPr>
+        </p:nvGrpSpPr>
+        <p:grpSpPr>
+          <a:xfrm flipH="1">
+            <a:off x="6526211" y="0"/>
+            <a:ext cx="5014912" cy="6862763"/>
+            <a:chOff x="2928938" y="-4763"/>
+            <a:chExt cx="5014912" cy="6862763"/>
+          </a:xfrm>
+        </p:grpSpPr>
+        <p:sp>
+          <p:nvSpPr>
+            <p:cNvPr id="24" name="Freeform 6">
+              <a:extLst>
+                <a:ext uri="{FF2B5EF4-FFF2-40B4-BE49-F238E27FC236}">
+                  <a16:creationId xmlns:a16="http://schemas.microsoft.com/office/drawing/2014/main" id="{E34CC1C8-EBDD-4AEA-83E6-B27575B62E2E}"/>
+                </a:ext>
+                <a:ext uri="{C183D7F6-B498-43B3-948B-1728B52AA6E4}">
+                  <adec:decorative xmlns:adec="http://schemas.microsoft.com/office/drawing/2017/decorative" val="1"/>
+                </a:ext>
+              </a:extLst>
+            </p:cNvPr>
+            <p:cNvSpPr/>
+            <p:nvPr>
+              <p:extLst>
+                <p:ext uri="{386F3935-93C4-4BCD-93E2-E3B085C9AB24}">
+                  <p16:designElem xmlns:p16="http://schemas.microsoft.com/office/powerpoint/2015/main" val="1"/>
+                </p:ext>
+              </p:extLst>
+            </p:nvPr>
+          </p:nvSpPr>
+          <p:spPr bwMode="auto">
+            <a:xfrm>
+              <a:off x="3367088" y="-4763"/>
+              <a:ext cx="1063625" cy="2782888"/>
+            </a:xfrm>
+            <a:custGeom>
+              <a:avLst/>
+              <a:gdLst/>
+              <a:ahLst/>
+              <a:cxnLst/>
+              <a:rect l="0" t="0" r="r" b="b"/>
+              <a:pathLst>
+                <a:path w="670" h="1753">
+                  <a:moveTo>
+                    <a:pt x="0" y="1696"/>
+                  </a:moveTo>
+                  <a:lnTo>
+                    <a:pt x="225" y="1753"/>
+                  </a:lnTo>
+                  <a:lnTo>
+                    <a:pt x="670" y="0"/>
+                  </a:lnTo>
+                  <a:lnTo>
+                    <a:pt x="430" y="0"/>
+                  </a:lnTo>
+                  <a:lnTo>
+                    <a:pt x="0" y="1696"/>
+                  </a:lnTo>
+                  <a:close/>
+                </a:path>
+              </a:pathLst>
+            </a:custGeom>
+            <a:solidFill>
+              <a:schemeClr val="accent1"/>
+            </a:solidFill>
+            <a:ln>
+              <a:noFill/>
+            </a:ln>
+          </p:spPr>
+        </p:sp>
+        <p:sp>
+          <p:nvSpPr>
+            <p:cNvPr id="25" name="Freeform 7">
+              <a:extLst>
+                <a:ext uri="{FF2B5EF4-FFF2-40B4-BE49-F238E27FC236}">
+                  <a16:creationId xmlns:a16="http://schemas.microsoft.com/office/drawing/2014/main" id="{D6B38644-B85D-4211-9526-5B4C2A662BF7}"/>
+                </a:ext>
+                <a:ext uri="{C183D7F6-B498-43B3-948B-1728B52AA6E4}">
+                  <adec:decorative xmlns:adec="http://schemas.microsoft.com/office/drawing/2017/decorative" val="1"/>
+                </a:ext>
+              </a:extLst>
+            </p:cNvPr>
+            <p:cNvSpPr/>
+            <p:nvPr>
+              <p:extLst>
+                <p:ext uri="{386F3935-93C4-4BCD-93E2-E3B085C9AB24}">
+                  <p16:designElem xmlns:p16="http://schemas.microsoft.com/office/powerpoint/2015/main" val="1"/>
+                </p:ext>
+              </p:extLst>
+            </p:nvPr>
+          </p:nvSpPr>
+          <p:spPr bwMode="auto">
+            <a:xfrm>
+              <a:off x="2928938" y="-4763"/>
+              <a:ext cx="1035050" cy="2673350"/>
+            </a:xfrm>
+            <a:custGeom>
+              <a:avLst/>
+              <a:gdLst/>
+              <a:ahLst/>
+              <a:cxnLst/>
+              <a:rect l="0" t="0" r="r" b="b"/>
+              <a:pathLst>
+                <a:path w="652" h="1684">
+                  <a:moveTo>
+                    <a:pt x="225" y="1684"/>
+                  </a:moveTo>
+                  <a:lnTo>
+                    <a:pt x="652" y="0"/>
+                  </a:lnTo>
+                  <a:lnTo>
+                    <a:pt x="411" y="0"/>
+                  </a:lnTo>
+                  <a:lnTo>
+                    <a:pt x="0" y="1627"/>
+                  </a:lnTo>
+                  <a:lnTo>
+                    <a:pt x="219" y="1681"/>
+                  </a:lnTo>
+                  <a:lnTo>
+                    <a:pt x="225" y="1684"/>
+                  </a:lnTo>
+                  <a:close/>
+                </a:path>
+              </a:pathLst>
+            </a:custGeom>
+            <a:solidFill>
+              <a:srgbClr val="595959"/>
+            </a:solidFill>
+            <a:ln>
+              <a:noFill/>
+            </a:ln>
+          </p:spPr>
+        </p:sp>
+        <p:sp>
+          <p:nvSpPr>
+            <p:cNvPr id="26" name="Freeform 12">
+              <a:extLst>
+                <a:ext uri="{FF2B5EF4-FFF2-40B4-BE49-F238E27FC236}">
+                  <a16:creationId xmlns:a16="http://schemas.microsoft.com/office/drawing/2014/main" id="{8A8B2820-6B8F-4C19-BFC5-D28EE44E54CB}"/>
+                </a:ext>
+                <a:ext uri="{C183D7F6-B498-43B3-948B-1728B52AA6E4}">
+                  <adec:decorative xmlns:adec="http://schemas.microsoft.com/office/drawing/2017/decorative" val="1"/>
+                </a:ext>
+              </a:extLst>
+            </p:cNvPr>
+            <p:cNvSpPr/>
+            <p:nvPr>
+              <p:extLst>
+                <p:ext uri="{386F3935-93C4-4BCD-93E2-E3B085C9AB24}">
+                  <p16:designElem xmlns:p16="http://schemas.microsoft.com/office/powerpoint/2015/main" val="1"/>
+                </p:ext>
+              </p:extLst>
+            </p:nvPr>
+          </p:nvSpPr>
+          <p:spPr bwMode="auto">
+            <a:xfrm>
+              <a:off x="2928938" y="2582862"/>
+              <a:ext cx="2693987" cy="4275138"/>
+            </a:xfrm>
+            <a:custGeom>
+              <a:avLst/>
+              <a:gdLst/>
+              <a:ahLst/>
+              <a:cxnLst/>
+              <a:rect l="0" t="0" r="r" b="b"/>
+              <a:pathLst>
+                <a:path w="1697" h="2693">
+                  <a:moveTo>
+                    <a:pt x="0" y="0"/>
+                  </a:moveTo>
+                  <a:lnTo>
+                    <a:pt x="1622" y="2693"/>
+                  </a:lnTo>
+                  <a:lnTo>
+                    <a:pt x="1697" y="2693"/>
+                  </a:lnTo>
+                  <a:lnTo>
+                    <a:pt x="0" y="0"/>
+                  </a:lnTo>
+                  <a:close/>
+                </a:path>
+              </a:pathLst>
+            </a:custGeom>
+            <a:solidFill>
+              <a:srgbClr val="262626"/>
+            </a:solidFill>
+            <a:ln>
+              <a:noFill/>
+            </a:ln>
+          </p:spPr>
+        </p:sp>
+        <p:sp>
+          <p:nvSpPr>
+            <p:cNvPr id="27" name="Freeform 13">
+              <a:extLst>
+                <a:ext uri="{FF2B5EF4-FFF2-40B4-BE49-F238E27FC236}">
+                  <a16:creationId xmlns:a16="http://schemas.microsoft.com/office/drawing/2014/main" id="{773528ED-4D37-4A77-A8CA-86B6221C5E82}"/>
+                </a:ext>
+                <a:ext uri="{C183D7F6-B498-43B3-948B-1728B52AA6E4}">
+                  <adec:decorative xmlns:adec="http://schemas.microsoft.com/office/drawing/2017/decorative" val="1"/>
+                </a:ext>
+              </a:extLst>
+            </p:cNvPr>
+            <p:cNvSpPr/>
+            <p:nvPr>
+              <p:extLst>
+                <p:ext uri="{386F3935-93C4-4BCD-93E2-E3B085C9AB24}">
+                  <p16:designElem xmlns:p16="http://schemas.microsoft.com/office/powerpoint/2015/main" val="1"/>
+                </p:ext>
+              </p:extLst>
+            </p:nvPr>
+          </p:nvSpPr>
+          <p:spPr bwMode="auto">
+            <a:xfrm>
+              <a:off x="3371850" y="2692400"/>
+              <a:ext cx="3332162" cy="4165600"/>
+            </a:xfrm>
+            <a:custGeom>
+              <a:avLst/>
+              <a:gdLst/>
+              <a:ahLst/>
+              <a:cxnLst/>
+              <a:rect l="0" t="0" r="r" b="b"/>
+              <a:pathLst>
+                <a:path w="2099" h="2624">
+                  <a:moveTo>
+                    <a:pt x="2099" y="2624"/>
+                  </a:moveTo>
+                  <a:lnTo>
+                    <a:pt x="0" y="0"/>
+                  </a:lnTo>
+                  <a:lnTo>
+                    <a:pt x="2021" y="2624"/>
+                  </a:lnTo>
+                  <a:lnTo>
+                    <a:pt x="2099" y="2624"/>
+                  </a:lnTo>
+                  <a:close/>
+                </a:path>
+              </a:pathLst>
+            </a:custGeom>
+            <a:solidFill>
+              <a:schemeClr val="accent1">
+                <a:lumMod val="50000"/>
+              </a:schemeClr>
+            </a:solidFill>
+            <a:ln>
+              <a:noFill/>
+            </a:ln>
+          </p:spPr>
+        </p:sp>
+        <p:sp>
+          <p:nvSpPr>
+            <p:cNvPr id="28" name="Freeform 14">
+              <a:extLst>
+                <a:ext uri="{FF2B5EF4-FFF2-40B4-BE49-F238E27FC236}">
+                  <a16:creationId xmlns:a16="http://schemas.microsoft.com/office/drawing/2014/main" id="{8A58A902-E944-4399-9A93-A91A6A82B166}"/>
+                </a:ext>
+                <a:ext uri="{C183D7F6-B498-43B3-948B-1728B52AA6E4}">
+                  <adec:decorative xmlns:adec="http://schemas.microsoft.com/office/drawing/2017/decorative" val="1"/>
+                </a:ext>
+              </a:extLst>
+            </p:cNvPr>
+            <p:cNvSpPr/>
+            <p:nvPr>
+              <p:extLst>
+                <p:ext uri="{386F3935-93C4-4BCD-93E2-E3B085C9AB24}">
+                  <p16:designElem xmlns:p16="http://schemas.microsoft.com/office/powerpoint/2015/main" val="1"/>
+                </p:ext>
+              </p:extLst>
+            </p:nvPr>
+          </p:nvSpPr>
+          <p:spPr bwMode="auto">
+            <a:xfrm>
+              <a:off x="3367088" y="2687637"/>
+              <a:ext cx="4576762" cy="4170363"/>
+            </a:xfrm>
+            <a:custGeom>
+              <a:avLst/>
+              <a:gdLst/>
+              <a:ahLst/>
+              <a:cxnLst/>
+              <a:rect l="0" t="0" r="r" b="b"/>
+              <a:pathLst>
+                <a:path w="2883" h="2627">
+                  <a:moveTo>
+                    <a:pt x="0" y="0"/>
+                  </a:moveTo>
+                  <a:lnTo>
+                    <a:pt x="3" y="3"/>
+                  </a:lnTo>
+                  <a:lnTo>
+                    <a:pt x="2102" y="2627"/>
+                  </a:lnTo>
+                  <a:lnTo>
+                    <a:pt x="2883" y="2627"/>
+                  </a:lnTo>
+                  <a:lnTo>
+                    <a:pt x="225" y="57"/>
+                  </a:lnTo>
+                  <a:lnTo>
+                    <a:pt x="0" y="0"/>
+                  </a:lnTo>
+                  <a:close/>
+                </a:path>
+              </a:pathLst>
+            </a:custGeom>
+            <a:solidFill>
+              <a:schemeClr val="accent1">
+                <a:lumMod val="75000"/>
+              </a:schemeClr>
+            </a:solidFill>
+            <a:ln>
+              <a:noFill/>
+            </a:ln>
+          </p:spPr>
+        </p:sp>
+        <p:sp>
+          <p:nvSpPr>
+            <p:cNvPr id="29" name="Freeform 15">
+              <a:extLst>
+                <a:ext uri="{FF2B5EF4-FFF2-40B4-BE49-F238E27FC236}">
+                  <a16:creationId xmlns:a16="http://schemas.microsoft.com/office/drawing/2014/main" id="{4EDB1155-2E8E-4FB8-AD42-101FE4383231}"/>
+                </a:ext>
+                <a:ext uri="{C183D7F6-B498-43B3-948B-1728B52AA6E4}">
+                  <adec:decorative xmlns:adec="http://schemas.microsoft.com/office/drawing/2017/decorative" val="1"/>
+                </a:ext>
+              </a:extLst>
+            </p:cNvPr>
+            <p:cNvSpPr/>
+            <p:nvPr>
+              <p:extLst>
+                <p:ext uri="{386F3935-93C4-4BCD-93E2-E3B085C9AB24}">
+                  <p16:designElem xmlns:p16="http://schemas.microsoft.com/office/powerpoint/2015/main" val="1"/>
+                </p:ext>
+              </p:extLst>
+            </p:nvPr>
+          </p:nvSpPr>
+          <p:spPr bwMode="auto">
+            <a:xfrm>
+              <a:off x="2928938" y="2578100"/>
+              <a:ext cx="3584575" cy="4279900"/>
+            </a:xfrm>
+            <a:custGeom>
+              <a:avLst/>
+              <a:gdLst/>
+              <a:ahLst/>
+              <a:cxnLst/>
+              <a:rect l="0" t="0" r="r" b="b"/>
+              <a:pathLst>
+                <a:path w="2258" h="2696">
+                  <a:moveTo>
+                    <a:pt x="2258" y="2696"/>
+                  </a:moveTo>
+                  <a:lnTo>
+                    <a:pt x="264" y="111"/>
+                  </a:lnTo>
+                  <a:lnTo>
+                    <a:pt x="228" y="60"/>
+                  </a:lnTo>
+                  <a:lnTo>
+                    <a:pt x="225" y="57"/>
+                  </a:lnTo>
+                  <a:lnTo>
+                    <a:pt x="0" y="0"/>
+                  </a:lnTo>
+                  <a:lnTo>
+                    <a:pt x="0" y="3"/>
+                  </a:lnTo>
+                  <a:lnTo>
+                    <a:pt x="1697" y="2696"/>
+                  </a:lnTo>
+                  <a:lnTo>
+                    <a:pt x="2258" y="2696"/>
+                  </a:lnTo>
+                  <a:close/>
+                </a:path>
+              </a:pathLst>
+            </a:custGeom>
+            <a:solidFill>
+              <a:srgbClr val="404040"/>
+            </a:solidFill>
+            <a:ln>
+              <a:noFill/>
+            </a:ln>
+          </p:spPr>
+        </p:sp>
+      </p:grpSp>
+      <p:sp>
+        <p:nvSpPr>
+          <p:cNvPr id="2" name="Title 1">
+            <a:extLst>
+              <a:ext uri="{FF2B5EF4-FFF2-40B4-BE49-F238E27FC236}">
+                <a16:creationId xmlns:a16="http://schemas.microsoft.com/office/drawing/2014/main" id="{C7492CCE-C435-464E-A19A-D4C606FDBE3D}"/>
+              </a:ext>
+            </a:extLst>
+          </p:cNvPr>
+          <p:cNvSpPr>
+            <a:spLocks noGrp="1"/>
+          </p:cNvSpPr>
+          <p:nvPr>
+            <p:ph type="title"/>
+          </p:nvPr>
+        </p:nvSpPr>
+        <p:spPr>
+          <a:xfrm>
+            <a:off x="1018191" y="685801"/>
+            <a:ext cx="7411825" cy="786008"/>
+          </a:xfrm>
+        </p:spPr>
+        <p:txBody>
+          <a:bodyPr>
+            <a:normAutofit/>
+          </a:bodyPr>
+          <a:lstStyle/>
+          <a:p>
+            <a:pPr algn="l"/>
+            <a:r>
+              <a:rPr lang="en-US" dirty="0"/>
+              <a:t>Sniper</a:t>
+            </a:r>
+          </a:p>
+        </p:txBody>
+      </p:sp>
+      <p:sp>
+        <p:nvSpPr>
+          <p:cNvPr id="7" name="TextBox 6">
+            <a:extLst>
+              <a:ext uri="{FF2B5EF4-FFF2-40B4-BE49-F238E27FC236}">
+                <a16:creationId xmlns:a16="http://schemas.microsoft.com/office/drawing/2014/main" id="{C858D479-E27C-41C1-A25F-CF4CC5C379F4}"/>
+              </a:ext>
+            </a:extLst>
+          </p:cNvPr>
+          <p:cNvSpPr txBox="1"/>
+          <p:nvPr/>
+        </p:nvSpPr>
+        <p:spPr>
+          <a:xfrm>
+            <a:off x="835257" y="2115680"/>
+            <a:ext cx="10262954" cy="1938992"/>
+          </a:xfrm>
+          <a:prstGeom prst="rect">
+            <a:avLst/>
+          </a:prstGeom>
+          <a:noFill/>
+        </p:spPr>
+        <p:txBody>
+          <a:bodyPr wrap="square" rtlCol="0">
+            <a:spAutoFit/>
+          </a:bodyPr>
+          <a:lstStyle/>
+          <a:p>
+            <a:pPr marL="285750" indent="-285750">
+              <a:buFont typeface="Arial" panose="020B0604020202020204" pitchFamily="34" charset="0"/>
+              <a:buChar char="•"/>
+            </a:pPr>
+            <a:r>
+              <a:rPr lang="pt-PT" sz="2400" dirty="0"/>
+              <a:t>Baseado num tutorial encontrado na </a:t>
+            </a:r>
+            <a:r>
+              <a:rPr lang="pt-PT" sz="2400" dirty="0" err="1"/>
+              <a:t>Wiki</a:t>
+            </a:r>
+            <a:r>
+              <a:rPr lang="pt-PT" sz="2400" dirty="0"/>
+              <a:t> do </a:t>
+            </a:r>
+            <a:r>
+              <a:rPr lang="pt-PT" sz="2400" dirty="0" err="1"/>
+              <a:t>Robocode</a:t>
+            </a:r>
+            <a:endParaRPr lang="pt-PT" sz="2400" dirty="0"/>
+          </a:p>
+          <a:p>
+            <a:pPr marL="285750" indent="-285750">
+              <a:buFont typeface="Arial" panose="020B0604020202020204" pitchFamily="34" charset="0"/>
+              <a:buChar char="•"/>
+            </a:pPr>
+            <a:r>
+              <a:rPr lang="pt-PT" sz="2400" dirty="0"/>
+              <a:t>Implementa estratégias de movimentação e de </a:t>
+            </a:r>
+            <a:r>
+              <a:rPr lang="pt-PT" sz="2400" dirty="0" err="1"/>
+              <a:t>targeting</a:t>
+            </a:r>
+            <a:r>
+              <a:rPr lang="pt-PT" sz="2400" dirty="0"/>
+              <a:t> baseadas na informação recolhida pelas </a:t>
+            </a:r>
+            <a:r>
+              <a:rPr lang="pt-PT" sz="2400" dirty="0" err="1"/>
+              <a:t>waves</a:t>
+            </a:r>
+            <a:endParaRPr lang="pt-PT" sz="2400" dirty="0"/>
+          </a:p>
+          <a:p>
+            <a:pPr marL="285750" indent="-285750">
+              <a:buFont typeface="Arial" panose="020B0604020202020204" pitchFamily="34" charset="0"/>
+              <a:buChar char="•"/>
+            </a:pPr>
+            <a:r>
+              <a:rPr lang="pt-PT" sz="2400" dirty="0"/>
+              <a:t>Não têm noção de batalha em equipa, apenas combates 1vs1</a:t>
+            </a:r>
+          </a:p>
+          <a:p>
+            <a:pPr marL="285750" indent="-285750">
+              <a:buFont typeface="Arial" panose="020B0604020202020204" pitchFamily="34" charset="0"/>
+              <a:buChar char="•"/>
+            </a:pPr>
+            <a:endParaRPr lang="pt-PT" sz="2400" dirty="0"/>
+          </a:p>
+        </p:txBody>
+      </p:sp>
+    </p:spTree>
+    <p:extLst>
+      <p:ext uri="{BB962C8B-B14F-4D97-AF65-F5344CB8AC3E}">
+        <p14:creationId xmlns:p14="http://schemas.microsoft.com/office/powerpoint/2010/main" val="888041041"/>
+      </p:ext>
+    </p:extLst>
+  </p:cSld>
+  <p:clrMapOvr>
+    <a:overrideClrMapping bg1="dk1" tx1="lt1" bg2="dk2" tx2="lt2" accent1="accent1" accent2="accent2" accent3="accent3" accent4="accent4" accent5="accent5" accent6="accent6" hlink="hlink" folHlink="folHlink"/>
+  </p:clrMapOvr>
+</p:sld>
+</file>
+
+<file path=ppt/slides/slide7.xml><?xml version="1.0" encoding="utf-8"?>
 <p:sld xmlns:a="http://schemas.openxmlformats.org/drawingml/2006/main" xmlns:r="http://schemas.openxmlformats.org/officeDocument/2006/relationships" xmlns:p="http://schemas.openxmlformats.org/presentationml/2006/main">
   <p:cSld>
     <p:bg>
@@ -9932,7 +11407,7 @@
             <a:pPr algn="l"/>
             <a:r>
               <a:rPr lang="en-US" sz="1600" dirty="0"/>
-              <a:t> Rui Fontes - PG39296</a:t>
+              <a:t>Rui Fontes - PG39296</a:t>
             </a:r>
           </a:p>
           <a:p>
@@ -10536,15 +12011,6 @@
 </file>
 
 <file path=customXml/item1.xml><?xml version="1.0" encoding="utf-8"?>
-<?mso-contentType ?>
-<FormTemplates xmlns="http://schemas.microsoft.com/sharepoint/v3/contenttype/forms">
-  <Display>DocumentLibraryForm</Display>
-  <Edit>DocumentLibraryForm</Edit>
-  <New>DocumentLibraryForm</New>
-</FormTemplates>
-</file>
-
-<file path=customXml/item2.xml><?xml version="1.0" encoding="utf-8"?>
 <ct:contentTypeSchema xmlns:ct="http://schemas.microsoft.com/office/2006/metadata/contentType" xmlns:ma="http://schemas.microsoft.com/office/2006/metadata/properties/metaAttributes" ct:_="" ma:_="" ma:contentTypeName="Document" ma:contentTypeID="0x01010079F111ED35F8CC479449609E8A0923A6" ma:contentTypeVersion="11" ma:contentTypeDescription="Create a new document." ma:contentTypeScope="" ma:versionID="9677210f24a1be23c92c90fd886aa0aa">
   <xsd:schema xmlns:xsd="http://www.w3.org/2001/XMLSchema" xmlns:xs="http://www.w3.org/2001/XMLSchema" xmlns:p="http://schemas.microsoft.com/office/2006/metadata/properties" xmlns:ns2="71af3243-3dd4-4a8d-8c0d-dd76da1f02a5" xmlns:ns3="16c05727-aa75-4e4a-9b5f-8a80a1165891" targetNamespace="http://schemas.microsoft.com/office/2006/metadata/properties" ma:root="true" ma:fieldsID="60e05723c5c1908df1a1a4ebf11d344e" ns2:_="" ns3:_="">
     <xsd:import namespace="71af3243-3dd4-4a8d-8c0d-dd76da1f02a5"/>
@@ -10755,6 +12221,15 @@
 </ct:contentTypeSchema>
 </file>
 
+<file path=customXml/item2.xml><?xml version="1.0" encoding="utf-8"?>
+<?mso-contentType ?>
+<FormTemplates xmlns="http://schemas.microsoft.com/sharepoint/v3/contenttype/forms">
+  <Display>DocumentLibraryForm</Display>
+  <Edit>DocumentLibraryForm</Edit>
+  <New>DocumentLibraryForm</New>
+</FormTemplates>
+</file>
+
 <file path=customXml/item3.xml><?xml version="1.0" encoding="utf-8"?>
 <p:properties xmlns:p="http://schemas.microsoft.com/office/2006/metadata/properties" xmlns:xsi="http://www.w3.org/2001/XMLSchema-instance" xmlns:pc="http://schemas.microsoft.com/office/infopath/2007/PartnerControls">
   <documentManagement>
@@ -10764,14 +12239,6 @@
 </file>
 
 <file path=customXml/itemProps1.xml><?xml version="1.0" encoding="utf-8"?>
-<ds:datastoreItem xmlns:ds="http://schemas.openxmlformats.org/officeDocument/2006/customXml" ds:itemID="{33315AA3-EAE3-44ED-8368-BAC2FFFB4817}">
-  <ds:schemaRefs>
-    <ds:schemaRef ds:uri="http://schemas.microsoft.com/sharepoint/v3/contenttype/forms"/>
-  </ds:schemaRefs>
-</ds:datastoreItem>
-</file>
-
-<file path=customXml/itemProps2.xml><?xml version="1.0" encoding="utf-8"?>
 <ds:datastoreItem xmlns:ds="http://schemas.openxmlformats.org/officeDocument/2006/customXml" ds:itemID="{627C19A7-3107-4CB2-BD0D-F7C79BE028CC}">
   <ds:schemaRefs>
     <ds:schemaRef ds:uri="http://schemas.microsoft.com/office/2006/metadata/contentType"/>
@@ -10790,6 +12257,14 @@
 </ds:datastoreItem>
 </file>
 
+<file path=customXml/itemProps2.xml><?xml version="1.0" encoding="utf-8"?>
+<ds:datastoreItem xmlns:ds="http://schemas.openxmlformats.org/officeDocument/2006/customXml" ds:itemID="{33315AA3-EAE3-44ED-8368-BAC2FFFB4817}">
+  <ds:schemaRefs>
+    <ds:schemaRef ds:uri="http://schemas.microsoft.com/sharepoint/v3/contenttype/forms"/>
+  </ds:schemaRefs>
+</ds:datastoreItem>
+</file>
+
 <file path=customXml/itemProps3.xml><?xml version="1.0" encoding="utf-8"?>
 <ds:datastoreItem xmlns:ds="http://schemas.openxmlformats.org/officeDocument/2006/customXml" ds:itemID="{D7023227-530E-4024-91EF-312A851A758C}">
   <ds:schemaRefs>
